--- a/new/nl-NL/new.pptx
+++ b/new/nl-NL/new.pptx
@@ -14,7 +14,7 @@
   <p:notesSz cx="6858000" cy="9144000"/>
   <p:defaultTextStyle>
     <a:defPPr>
-      <a:defRPr lang="en-US"/>
+      <a:defRPr lang="nl-NL"/>
     </a:defPPr>
     <a:lvl1pPr marL="0" algn="l" defTabSz="914400" rtl="0" eaLnBrk="1" latinLnBrk="0" hangingPunct="1">
       <a:defRPr sz="1800" kern="1200">
@@ -167,7 +167,7 @@
             </a:lvl1pPr>
           </a:lstStyle>
           <a:p>
-            <a:endParaRPr lang="en-US"/>
+            <a:endParaRPr lang="nl-NL"/>
           </a:p>
         </p:txBody>
       </p:sp>
@@ -199,10 +199,10 @@
           </a:lstStyle>
           <a:p>
             <a:fld id="{3632E96E-41F7-40C5-8419-297958CC00FA}" type="datetimeFigureOut">
-              <a:rPr lang="en-US" smtClean="0"/>
+              <a:rPr lang="nl-NL" smtClean="0"/>
               <a:t>10/30/2013</a:t>
             </a:fld>
-            <a:endParaRPr lang="en-US"/>
+            <a:endParaRPr lang="nl-NL"/>
           </a:p>
         </p:txBody>
       </p:sp>
@@ -235,7 +235,7 @@
           <a:bodyPr vert="horz" lIns="91440" tIns="45720" rIns="91440" bIns="45720" rtlCol="0" anchor="ctr"/>
           <a:lstStyle/>
           <a:p>
-            <a:endParaRPr lang="en-US"/>
+            <a:endParaRPr lang="nl-NL"/>
           </a:p>
         </p:txBody>
       </p:sp>
@@ -264,38 +264,38 @@
           <a:p>
             <a:pPr lvl="0"/>
             <a:r>
-              <a:rPr lang="en-US" smtClean="0"/>
+              <a:rPr lang="nl-NL" smtClean="0"/>
               <a:t>Click to edit Master text styles</a:t>
             </a:r>
           </a:p>
           <a:p>
             <a:pPr lvl="1"/>
             <a:r>
-              <a:rPr lang="en-US" smtClean="0"/>
+              <a:rPr lang="nl-NL" smtClean="0"/>
               <a:t>Second level</a:t>
             </a:r>
           </a:p>
           <a:p>
             <a:pPr lvl="2"/>
             <a:r>
-              <a:rPr lang="en-US" smtClean="0"/>
+              <a:rPr lang="nl-NL" smtClean="0"/>
               <a:t>Third level</a:t>
             </a:r>
           </a:p>
           <a:p>
             <a:pPr lvl="3"/>
             <a:r>
-              <a:rPr lang="en-US" smtClean="0"/>
+              <a:rPr lang="nl-NL" smtClean="0"/>
               <a:t>Fourth level</a:t>
             </a:r>
           </a:p>
           <a:p>
             <a:pPr lvl="4"/>
             <a:r>
-              <a:rPr lang="en-US" smtClean="0"/>
+              <a:rPr lang="nl-NL" smtClean="0"/>
               <a:t>Fifth level</a:t>
             </a:r>
-            <a:endParaRPr lang="en-US"/>
+            <a:endParaRPr lang="nl-NL"/>
           </a:p>
         </p:txBody>
       </p:sp>
@@ -326,7 +326,7 @@
             </a:lvl1pPr>
           </a:lstStyle>
           <a:p>
-            <a:endParaRPr lang="en-US"/>
+            <a:endParaRPr lang="nl-NL"/>
           </a:p>
         </p:txBody>
       </p:sp>
@@ -358,10 +358,10 @@
           </a:lstStyle>
           <a:p>
             <a:fld id="{2E6999B8-B6B4-4561-A3CD-BBCDAB9FC9D9}" type="slidenum">
-              <a:rPr lang="en-US" smtClean="0"/>
+              <a:rPr lang="nl-NL" smtClean="0"/>
               <a:t>‹#›</a:t>
             </a:fld>
-            <a:endParaRPr lang="en-US"/>
+            <a:endParaRPr lang="nl-NL"/>
           </a:p>
         </p:txBody>
       </p:sp>
@@ -517,7 +517,7 @@
           <a:bodyPr/>
           <a:lstStyle/>
           <a:p>
-            <a:endParaRPr lang="en-US" dirty="0">
+            <a:endParaRPr lang="nl-NL" dirty="0">
               <a:latin typeface="Arial" panose="020B0604020202020204" pitchFamily="34" charset="0"/>
               <a:cs typeface="Arial" panose="020B0604020202020204" pitchFamily="34" charset="0"/>
             </a:endParaRPr>
@@ -540,10 +540,10 @@
           <a:lstStyle/>
           <a:p>
             <a:fld id="{2E6999B8-B6B4-4561-A3CD-BBCDAB9FC9D9}" type="slidenum">
-              <a:rPr lang="en-US" smtClean="0"/>
+              <a:rPr lang="nl-NL" smtClean="0"/>
               <a:t>1</a:t>
             </a:fld>
-            <a:endParaRPr lang="en-US"/>
+            <a:endParaRPr lang="nl-NL"/>
           </a:p>
         </p:txBody>
       </p:sp>
@@ -562,7 +562,7 @@
 
 <file path=ppt/slideLayouts/slideLayout1.xml><?xml version="1.0" encoding="utf-8"?>
 <p:sldLayout xmlns:a="http://schemas.openxmlformats.org/drawingml/2006/main" xmlns:r="http://schemas.openxmlformats.org/officeDocument/2006/relationships" xmlns:p="http://schemas.openxmlformats.org/presentationml/2006/main" type="title" preserve="1">
-  <p:cSld name="Title Slide">
+  <p:cSld name="Úvodná snímka">
     <p:spTree>
       <p:nvGrpSpPr>
         <p:cNvPr id="1" name=""/>
@@ -579,7 +579,7 @@
       </p:grpSpPr>
       <p:sp>
         <p:nvSpPr>
-          <p:cNvPr id="2" name="Title 1"/>
+          <p:cNvPr id="2" name="Nadpis 1"/>
           <p:cNvSpPr>
             <a:spLocks noGrp="1"/>
           </p:cNvSpPr>
@@ -602,16 +602,15 @@
           </a:lstStyle>
           <a:p>
             <a:r>
-              <a:rPr lang="en-US" smtClean="0"/>
-              <a:t>Click to edit Master title style</a:t>
-            </a:r>
-            <a:endParaRPr lang="en-US" dirty="0"/>
-          </a:p>
-        </p:txBody>
-      </p:sp>
-      <p:sp>
-        <p:nvSpPr>
-          <p:cNvPr id="3" name="Subtitle 2"/>
+              <a:rPr lang="nl-NL"/>
+              <a:t>Upravte štýly predlohy textu</a:t>
+            </a:r>
+          </a:p>
+        </p:txBody>
+      </p:sp>
+      <p:sp>
+        <p:nvSpPr>
+          <p:cNvPr id="3" name="Podnadpis 2"/>
           <p:cNvSpPr>
             <a:spLocks noGrp="1"/>
           </p:cNvSpPr>
@@ -667,16 +666,15 @@
           </a:lstStyle>
           <a:p>
             <a:r>
-              <a:rPr lang="en-US" smtClean="0"/>
-              <a:t>Click to edit Master subtitle style</a:t>
-            </a:r>
-            <a:endParaRPr lang="en-US" dirty="0"/>
-          </a:p>
-        </p:txBody>
-      </p:sp>
-      <p:sp>
-        <p:nvSpPr>
-          <p:cNvPr id="4" name="Date Placeholder 3"/>
+              <a:rPr lang="nl-NL"/>
+              <a:t>Upravte štýl predlohy podnadpisov</a:t>
+            </a:r>
+          </a:p>
+        </p:txBody>
+      </p:sp>
+      <p:sp>
+        <p:nvSpPr>
+          <p:cNvPr id="4" name="Zástupný symbol dátumu 3"/>
           <p:cNvSpPr>
             <a:spLocks noGrp="1"/>
           </p:cNvSpPr>
@@ -689,17 +687,17 @@
           <a:bodyPr/>
           <a:lstStyle/>
           <a:p>
-            <a:fld id="{BCC18F51-09EC-435C-A3BA-64A766E099C0}" type="datetimeFigureOut">
-              <a:rPr lang="en-US" smtClean="0"/>
-              <a:t>30.10.2013</a:t>
+            <a:fld id="{AD8E55F0-49D3-47F0-9F7C-B48EBAF4ED8F}" type="datetimeFigureOut">
+              <a:rPr lang="nl-NL" smtClean="0"/>
+              <a:t>14.12.2018</a:t>
             </a:fld>
-            <a:endParaRPr lang="en-US"/>
-          </a:p>
-        </p:txBody>
-      </p:sp>
-      <p:sp>
-        <p:nvSpPr>
-          <p:cNvPr id="5" name="Footer Placeholder 4"/>
+            <a:endParaRPr lang="nl-NL"/>
+          </a:p>
+        </p:txBody>
+      </p:sp>
+      <p:sp>
+        <p:nvSpPr>
+          <p:cNvPr id="5" name="Zástupný symbol päty 4"/>
           <p:cNvSpPr>
             <a:spLocks noGrp="1"/>
           </p:cNvSpPr>
@@ -712,13 +710,13 @@
           <a:bodyPr/>
           <a:lstStyle/>
           <a:p>
-            <a:endParaRPr lang="en-US"/>
-          </a:p>
-        </p:txBody>
-      </p:sp>
-      <p:sp>
-        <p:nvSpPr>
-          <p:cNvPr id="6" name="Slide Number Placeholder 5"/>
+            <a:endParaRPr lang="nl-NL"/>
+          </a:p>
+        </p:txBody>
+      </p:sp>
+      <p:sp>
+        <p:nvSpPr>
+          <p:cNvPr id="6" name="Zástupný symbol čísla snímky 5"/>
           <p:cNvSpPr>
             <a:spLocks noGrp="1"/>
           </p:cNvSpPr>
@@ -731,18 +729,18 @@
           <a:bodyPr/>
           <a:lstStyle/>
           <a:p>
-            <a:fld id="{08395586-F03A-48D1-94DF-16B239DF4FB5}" type="slidenum">
-              <a:rPr lang="en-US" smtClean="0"/>
+            <a:fld id="{2AD1342B-065B-40C6-A6BB-D997923519A3}" type="slidenum">
+              <a:rPr lang="nl-NL" smtClean="0"/>
               <a:t>‹#›</a:t>
             </a:fld>
-            <a:endParaRPr lang="en-US"/>
+            <a:endParaRPr lang="nl-NL"/>
           </a:p>
         </p:txBody>
       </p:sp>
     </p:spTree>
     <p:extLst>
       <p:ext uri="{BB962C8B-B14F-4D97-AF65-F5344CB8AC3E}">
-        <p14:creationId xmlns:p14="http://schemas.microsoft.com/office/powerpoint/2010/main" val="2520518546"/>
+        <p14:creationId xmlns:p14="http://schemas.microsoft.com/office/powerpoint/2010/main" val="79203270"/>
       </p:ext>
     </p:extLst>
   </p:cSld>
@@ -754,7 +752,7 @@
 
 <file path=ppt/slideLayouts/slideLayout10.xml><?xml version="1.0" encoding="utf-8"?>
 <p:sldLayout xmlns:a="http://schemas.openxmlformats.org/drawingml/2006/main" xmlns:r="http://schemas.openxmlformats.org/officeDocument/2006/relationships" xmlns:p="http://schemas.openxmlformats.org/presentationml/2006/main" type="vertTx" preserve="1">
-  <p:cSld name="Title and Vertical Text">
+  <p:cSld name="Nadpis a zvislý text">
     <p:spTree>
       <p:nvGrpSpPr>
         <p:cNvPr id="1" name=""/>
@@ -771,7 +769,7 @@
       </p:grpSpPr>
       <p:sp>
         <p:nvSpPr>
-          <p:cNvPr id="2" name="Title 1"/>
+          <p:cNvPr id="2" name="Nadpis 1"/>
           <p:cNvSpPr>
             <a:spLocks noGrp="1"/>
           </p:cNvSpPr>
@@ -785,16 +783,15 @@
           <a:lstStyle/>
           <a:p>
             <a:r>
-              <a:rPr lang="en-US" smtClean="0"/>
-              <a:t>Click to edit Master title style</a:t>
-            </a:r>
-            <a:endParaRPr lang="en-US" dirty="0"/>
-          </a:p>
-        </p:txBody>
-      </p:sp>
-      <p:sp>
-        <p:nvSpPr>
-          <p:cNvPr id="3" name="Vertical Text Placeholder 2"/>
+              <a:rPr lang="nl-NL"/>
+              <a:t>Upravte štýly predlohy textu</a:t>
+            </a:r>
+          </a:p>
+        </p:txBody>
+      </p:sp>
+      <p:sp>
+        <p:nvSpPr>
+          <p:cNvPr id="3" name="Zástupný symbol zvislého textu 2"/>
           <p:cNvSpPr>
             <a:spLocks noGrp="1"/>
           </p:cNvSpPr>
@@ -809,44 +806,43 @@
           <a:p>
             <a:pPr lvl="0"/>
             <a:r>
-              <a:rPr lang="en-US" smtClean="0"/>
-              <a:t>Click to edit Master text styles</a:t>
+              <a:rPr lang="nl-NL"/>
+              <a:t>Upravte štýl predlohy textu.</a:t>
             </a:r>
           </a:p>
           <a:p>
             <a:pPr lvl="1"/>
             <a:r>
-              <a:rPr lang="en-US" smtClean="0"/>
-              <a:t>Second level</a:t>
+              <a:rPr lang="nl-NL"/>
+              <a:t>Druhá úroveň</a:t>
             </a:r>
           </a:p>
           <a:p>
             <a:pPr lvl="2"/>
             <a:r>
-              <a:rPr lang="en-US" smtClean="0"/>
-              <a:t>Third level</a:t>
+              <a:rPr lang="nl-NL"/>
+              <a:t>Tretia úroveň</a:t>
             </a:r>
           </a:p>
           <a:p>
             <a:pPr lvl="3"/>
             <a:r>
-              <a:rPr lang="en-US" smtClean="0"/>
-              <a:t>Fourth level</a:t>
+              <a:rPr lang="nl-NL"/>
+              <a:t>Štvrtá úroveň</a:t>
             </a:r>
           </a:p>
           <a:p>
             <a:pPr lvl="4"/>
             <a:r>
-              <a:rPr lang="en-US" smtClean="0"/>
-              <a:t>Fifth level</a:t>
-            </a:r>
-            <a:endParaRPr lang="en-US" dirty="0"/>
-          </a:p>
-        </p:txBody>
-      </p:sp>
-      <p:sp>
-        <p:nvSpPr>
-          <p:cNvPr id="4" name="Date Placeholder 3"/>
+              <a:rPr lang="nl-NL"/>
+              <a:t>Piata úroveň</a:t>
+            </a:r>
+          </a:p>
+        </p:txBody>
+      </p:sp>
+      <p:sp>
+        <p:nvSpPr>
+          <p:cNvPr id="4" name="Zástupný symbol dátumu 3"/>
           <p:cNvSpPr>
             <a:spLocks noGrp="1"/>
           </p:cNvSpPr>
@@ -859,17 +855,17 @@
           <a:bodyPr/>
           <a:lstStyle/>
           <a:p>
-            <a:fld id="{BCC18F51-09EC-435C-A3BA-64A766E099C0}" type="datetimeFigureOut">
-              <a:rPr lang="en-US" smtClean="0"/>
-              <a:t>30.10.2013</a:t>
+            <a:fld id="{AD8E55F0-49D3-47F0-9F7C-B48EBAF4ED8F}" type="datetimeFigureOut">
+              <a:rPr lang="nl-NL" smtClean="0"/>
+              <a:t>14.12.2018</a:t>
             </a:fld>
-            <a:endParaRPr lang="en-US"/>
-          </a:p>
-        </p:txBody>
-      </p:sp>
-      <p:sp>
-        <p:nvSpPr>
-          <p:cNvPr id="5" name="Footer Placeholder 4"/>
+            <a:endParaRPr lang="nl-NL"/>
+          </a:p>
+        </p:txBody>
+      </p:sp>
+      <p:sp>
+        <p:nvSpPr>
+          <p:cNvPr id="5" name="Zástupný symbol päty 4"/>
           <p:cNvSpPr>
             <a:spLocks noGrp="1"/>
           </p:cNvSpPr>
@@ -882,13 +878,13 @@
           <a:bodyPr/>
           <a:lstStyle/>
           <a:p>
-            <a:endParaRPr lang="en-US"/>
-          </a:p>
-        </p:txBody>
-      </p:sp>
-      <p:sp>
-        <p:nvSpPr>
-          <p:cNvPr id="6" name="Slide Number Placeholder 5"/>
+            <a:endParaRPr lang="nl-NL"/>
+          </a:p>
+        </p:txBody>
+      </p:sp>
+      <p:sp>
+        <p:nvSpPr>
+          <p:cNvPr id="6" name="Zástupný symbol čísla snímky 5"/>
           <p:cNvSpPr>
             <a:spLocks noGrp="1"/>
           </p:cNvSpPr>
@@ -901,18 +897,18 @@
           <a:bodyPr/>
           <a:lstStyle/>
           <a:p>
-            <a:fld id="{08395586-F03A-48D1-94DF-16B239DF4FB5}" type="slidenum">
-              <a:rPr lang="en-US" smtClean="0"/>
+            <a:fld id="{2AD1342B-065B-40C6-A6BB-D997923519A3}" type="slidenum">
+              <a:rPr lang="nl-NL" smtClean="0"/>
               <a:t>‹#›</a:t>
             </a:fld>
-            <a:endParaRPr lang="en-US"/>
+            <a:endParaRPr lang="nl-NL"/>
           </a:p>
         </p:txBody>
       </p:sp>
     </p:spTree>
     <p:extLst>
       <p:ext uri="{BB962C8B-B14F-4D97-AF65-F5344CB8AC3E}">
-        <p14:creationId xmlns:p14="http://schemas.microsoft.com/office/powerpoint/2010/main" val="2377304659"/>
+        <p14:creationId xmlns:p14="http://schemas.microsoft.com/office/powerpoint/2010/main" val="154028968"/>
       </p:ext>
     </p:extLst>
   </p:cSld>
@@ -924,7 +920,7 @@
 
 <file path=ppt/slideLayouts/slideLayout11.xml><?xml version="1.0" encoding="utf-8"?>
 <p:sldLayout xmlns:a="http://schemas.openxmlformats.org/drawingml/2006/main" xmlns:r="http://schemas.openxmlformats.org/officeDocument/2006/relationships" xmlns:p="http://schemas.openxmlformats.org/presentationml/2006/main" type="vertTitleAndTx" preserve="1">
-  <p:cSld name="Vertical Title and Text">
+  <p:cSld name="Zvislý nadpis a text">
     <p:spTree>
       <p:nvGrpSpPr>
         <p:cNvPr id="1" name=""/>
@@ -941,7 +937,7 @@
       </p:grpSpPr>
       <p:sp>
         <p:nvSpPr>
-          <p:cNvPr id="2" name="Vertical Title 1"/>
+          <p:cNvPr id="2" name="Zvislý nadpis 1"/>
           <p:cNvSpPr>
             <a:spLocks noGrp="1"/>
           </p:cNvSpPr>
@@ -960,16 +956,15 @@
           <a:lstStyle/>
           <a:p>
             <a:r>
-              <a:rPr lang="en-US" smtClean="0"/>
-              <a:t>Click to edit Master title style</a:t>
-            </a:r>
-            <a:endParaRPr lang="en-US" dirty="0"/>
-          </a:p>
-        </p:txBody>
-      </p:sp>
-      <p:sp>
-        <p:nvSpPr>
-          <p:cNvPr id="3" name="Vertical Text Placeholder 2"/>
+              <a:rPr lang="nl-NL"/>
+              <a:t>Upravte štýly predlohy textu</a:t>
+            </a:r>
+          </a:p>
+        </p:txBody>
+      </p:sp>
+      <p:sp>
+        <p:nvSpPr>
+          <p:cNvPr id="3" name="Zástupný symbol zvislého textu 2"/>
           <p:cNvSpPr>
             <a:spLocks noGrp="1"/>
           </p:cNvSpPr>
@@ -989,44 +984,43 @@
           <a:p>
             <a:pPr lvl="0"/>
             <a:r>
-              <a:rPr lang="en-US" smtClean="0"/>
-              <a:t>Click to edit Master text styles</a:t>
+              <a:rPr lang="nl-NL"/>
+              <a:t>Upravte štýl predlohy textu.</a:t>
             </a:r>
           </a:p>
           <a:p>
             <a:pPr lvl="1"/>
             <a:r>
-              <a:rPr lang="en-US" smtClean="0"/>
-              <a:t>Second level</a:t>
+              <a:rPr lang="nl-NL"/>
+              <a:t>Druhá úroveň</a:t>
             </a:r>
           </a:p>
           <a:p>
             <a:pPr lvl="2"/>
             <a:r>
-              <a:rPr lang="en-US" smtClean="0"/>
-              <a:t>Third level</a:t>
+              <a:rPr lang="nl-NL"/>
+              <a:t>Tretia úroveň</a:t>
             </a:r>
           </a:p>
           <a:p>
             <a:pPr lvl="3"/>
             <a:r>
-              <a:rPr lang="en-US" smtClean="0"/>
-              <a:t>Fourth level</a:t>
+              <a:rPr lang="nl-NL"/>
+              <a:t>Štvrtá úroveň</a:t>
             </a:r>
           </a:p>
           <a:p>
             <a:pPr lvl="4"/>
             <a:r>
-              <a:rPr lang="en-US" smtClean="0"/>
-              <a:t>Fifth level</a:t>
-            </a:r>
-            <a:endParaRPr lang="en-US" dirty="0"/>
-          </a:p>
-        </p:txBody>
-      </p:sp>
-      <p:sp>
-        <p:nvSpPr>
-          <p:cNvPr id="4" name="Date Placeholder 3"/>
+              <a:rPr lang="nl-NL"/>
+              <a:t>Piata úroveň</a:t>
+            </a:r>
+          </a:p>
+        </p:txBody>
+      </p:sp>
+      <p:sp>
+        <p:nvSpPr>
+          <p:cNvPr id="4" name="Zástupný symbol dátumu 3"/>
           <p:cNvSpPr>
             <a:spLocks noGrp="1"/>
           </p:cNvSpPr>
@@ -1039,17 +1033,17 @@
           <a:bodyPr/>
           <a:lstStyle/>
           <a:p>
-            <a:fld id="{BCC18F51-09EC-435C-A3BA-64A766E099C0}" type="datetimeFigureOut">
-              <a:rPr lang="en-US" smtClean="0"/>
-              <a:t>30.10.2013</a:t>
+            <a:fld id="{AD8E55F0-49D3-47F0-9F7C-B48EBAF4ED8F}" type="datetimeFigureOut">
+              <a:rPr lang="nl-NL" smtClean="0"/>
+              <a:t>14.12.2018</a:t>
             </a:fld>
-            <a:endParaRPr lang="en-US"/>
-          </a:p>
-        </p:txBody>
-      </p:sp>
-      <p:sp>
-        <p:nvSpPr>
-          <p:cNvPr id="5" name="Footer Placeholder 4"/>
+            <a:endParaRPr lang="nl-NL"/>
+          </a:p>
+        </p:txBody>
+      </p:sp>
+      <p:sp>
+        <p:nvSpPr>
+          <p:cNvPr id="5" name="Zástupný symbol päty 4"/>
           <p:cNvSpPr>
             <a:spLocks noGrp="1"/>
           </p:cNvSpPr>
@@ -1062,13 +1056,13 @@
           <a:bodyPr/>
           <a:lstStyle/>
           <a:p>
-            <a:endParaRPr lang="en-US"/>
-          </a:p>
-        </p:txBody>
-      </p:sp>
-      <p:sp>
-        <p:nvSpPr>
-          <p:cNvPr id="6" name="Slide Number Placeholder 5"/>
+            <a:endParaRPr lang="nl-NL"/>
+          </a:p>
+        </p:txBody>
+      </p:sp>
+      <p:sp>
+        <p:nvSpPr>
+          <p:cNvPr id="6" name="Zástupný symbol čísla snímky 5"/>
           <p:cNvSpPr>
             <a:spLocks noGrp="1"/>
           </p:cNvSpPr>
@@ -1081,18 +1075,18 @@
           <a:bodyPr/>
           <a:lstStyle/>
           <a:p>
-            <a:fld id="{08395586-F03A-48D1-94DF-16B239DF4FB5}" type="slidenum">
-              <a:rPr lang="en-US" smtClean="0"/>
+            <a:fld id="{2AD1342B-065B-40C6-A6BB-D997923519A3}" type="slidenum">
+              <a:rPr lang="nl-NL" smtClean="0"/>
               <a:t>‹#›</a:t>
             </a:fld>
-            <a:endParaRPr lang="en-US"/>
+            <a:endParaRPr lang="nl-NL"/>
           </a:p>
         </p:txBody>
       </p:sp>
     </p:spTree>
     <p:extLst>
       <p:ext uri="{BB962C8B-B14F-4D97-AF65-F5344CB8AC3E}">
-        <p14:creationId xmlns:p14="http://schemas.microsoft.com/office/powerpoint/2010/main" val="4161801277"/>
+        <p14:creationId xmlns:p14="http://schemas.microsoft.com/office/powerpoint/2010/main" val="1968980608"/>
       </p:ext>
     </p:extLst>
   </p:cSld>
@@ -1104,7 +1098,7 @@
 
 <file path=ppt/slideLayouts/slideLayout2.xml><?xml version="1.0" encoding="utf-8"?>
 <p:sldLayout xmlns:a="http://schemas.openxmlformats.org/drawingml/2006/main" xmlns:r="http://schemas.openxmlformats.org/officeDocument/2006/relationships" xmlns:p="http://schemas.openxmlformats.org/presentationml/2006/main" type="obj" preserve="1">
-  <p:cSld name="Title and Content">
+  <p:cSld name="Nadpis a obsah">
     <p:spTree>
       <p:nvGrpSpPr>
         <p:cNvPr id="1" name=""/>
@@ -1121,7 +1115,7 @@
       </p:grpSpPr>
       <p:sp>
         <p:nvSpPr>
-          <p:cNvPr id="2" name="Title 1"/>
+          <p:cNvPr id="2" name="Nadpis 1"/>
           <p:cNvSpPr>
             <a:spLocks noGrp="1"/>
           </p:cNvSpPr>
@@ -1135,16 +1129,15 @@
           <a:lstStyle/>
           <a:p>
             <a:r>
-              <a:rPr lang="en-US" smtClean="0"/>
-              <a:t>Click to edit Master title style</a:t>
-            </a:r>
-            <a:endParaRPr lang="en-US" dirty="0"/>
-          </a:p>
-        </p:txBody>
-      </p:sp>
-      <p:sp>
-        <p:nvSpPr>
-          <p:cNvPr id="3" name="Content Placeholder 2"/>
+              <a:rPr lang="nl-NL"/>
+              <a:t>Upravte štýly predlohy textu</a:t>
+            </a:r>
+          </a:p>
+        </p:txBody>
+      </p:sp>
+      <p:sp>
+        <p:nvSpPr>
+          <p:cNvPr id="3" name="Zástupný symbol obsahu 2"/>
           <p:cNvSpPr>
             <a:spLocks noGrp="1"/>
           </p:cNvSpPr>
@@ -1159,44 +1152,43 @@
           <a:p>
             <a:pPr lvl="0"/>
             <a:r>
-              <a:rPr lang="en-US" smtClean="0"/>
-              <a:t>Click to edit Master text styles</a:t>
+              <a:rPr lang="nl-NL"/>
+              <a:t>Upravte štýl predlohy textu.</a:t>
             </a:r>
           </a:p>
           <a:p>
             <a:pPr lvl="1"/>
             <a:r>
-              <a:rPr lang="en-US" smtClean="0"/>
-              <a:t>Second level</a:t>
+              <a:rPr lang="nl-NL"/>
+              <a:t>Druhá úroveň</a:t>
             </a:r>
           </a:p>
           <a:p>
             <a:pPr lvl="2"/>
             <a:r>
-              <a:rPr lang="en-US" smtClean="0"/>
-              <a:t>Third level</a:t>
+              <a:rPr lang="nl-NL"/>
+              <a:t>Tretia úroveň</a:t>
             </a:r>
           </a:p>
           <a:p>
             <a:pPr lvl="3"/>
             <a:r>
-              <a:rPr lang="en-US" smtClean="0"/>
-              <a:t>Fourth level</a:t>
+              <a:rPr lang="nl-NL"/>
+              <a:t>Štvrtá úroveň</a:t>
             </a:r>
           </a:p>
           <a:p>
             <a:pPr lvl="4"/>
             <a:r>
-              <a:rPr lang="en-US" smtClean="0"/>
-              <a:t>Fifth level</a:t>
-            </a:r>
-            <a:endParaRPr lang="en-US" dirty="0"/>
-          </a:p>
-        </p:txBody>
-      </p:sp>
-      <p:sp>
-        <p:nvSpPr>
-          <p:cNvPr id="4" name="Date Placeholder 3"/>
+              <a:rPr lang="nl-NL"/>
+              <a:t>Piata úroveň</a:t>
+            </a:r>
+          </a:p>
+        </p:txBody>
+      </p:sp>
+      <p:sp>
+        <p:nvSpPr>
+          <p:cNvPr id="4" name="Zástupný symbol dátumu 3"/>
           <p:cNvSpPr>
             <a:spLocks noGrp="1"/>
           </p:cNvSpPr>
@@ -1209,17 +1201,17 @@
           <a:bodyPr/>
           <a:lstStyle/>
           <a:p>
-            <a:fld id="{BCC18F51-09EC-435C-A3BA-64A766E099C0}" type="datetimeFigureOut">
-              <a:rPr lang="en-US" smtClean="0"/>
-              <a:t>30.10.2013</a:t>
+            <a:fld id="{AD8E55F0-49D3-47F0-9F7C-B48EBAF4ED8F}" type="datetimeFigureOut">
+              <a:rPr lang="nl-NL" smtClean="0"/>
+              <a:t>14.12.2018</a:t>
             </a:fld>
-            <a:endParaRPr lang="en-US"/>
-          </a:p>
-        </p:txBody>
-      </p:sp>
-      <p:sp>
-        <p:nvSpPr>
-          <p:cNvPr id="5" name="Footer Placeholder 4"/>
+            <a:endParaRPr lang="nl-NL"/>
+          </a:p>
+        </p:txBody>
+      </p:sp>
+      <p:sp>
+        <p:nvSpPr>
+          <p:cNvPr id="5" name="Zástupný symbol päty 4"/>
           <p:cNvSpPr>
             <a:spLocks noGrp="1"/>
           </p:cNvSpPr>
@@ -1232,13 +1224,13 @@
           <a:bodyPr/>
           <a:lstStyle/>
           <a:p>
-            <a:endParaRPr lang="en-US"/>
-          </a:p>
-        </p:txBody>
-      </p:sp>
-      <p:sp>
-        <p:nvSpPr>
-          <p:cNvPr id="6" name="Slide Number Placeholder 5"/>
+            <a:endParaRPr lang="nl-NL"/>
+          </a:p>
+        </p:txBody>
+      </p:sp>
+      <p:sp>
+        <p:nvSpPr>
+          <p:cNvPr id="6" name="Zástupný symbol čísla snímky 5"/>
           <p:cNvSpPr>
             <a:spLocks noGrp="1"/>
           </p:cNvSpPr>
@@ -1251,18 +1243,18 @@
           <a:bodyPr/>
           <a:lstStyle/>
           <a:p>
-            <a:fld id="{08395586-F03A-48D1-94DF-16B239DF4FB5}" type="slidenum">
-              <a:rPr lang="en-US" smtClean="0"/>
+            <a:fld id="{2AD1342B-065B-40C6-A6BB-D997923519A3}" type="slidenum">
+              <a:rPr lang="nl-NL" smtClean="0"/>
               <a:t>‹#›</a:t>
             </a:fld>
-            <a:endParaRPr lang="en-US"/>
+            <a:endParaRPr lang="nl-NL"/>
           </a:p>
         </p:txBody>
       </p:sp>
     </p:spTree>
     <p:extLst>
       <p:ext uri="{BB962C8B-B14F-4D97-AF65-F5344CB8AC3E}">
-        <p14:creationId xmlns:p14="http://schemas.microsoft.com/office/powerpoint/2010/main" val="2960619921"/>
+        <p14:creationId xmlns:p14="http://schemas.microsoft.com/office/powerpoint/2010/main" val="3225025331"/>
       </p:ext>
     </p:extLst>
   </p:cSld>
@@ -1274,7 +1266,7 @@
 
 <file path=ppt/slideLayouts/slideLayout3.xml><?xml version="1.0" encoding="utf-8"?>
 <p:sldLayout xmlns:a="http://schemas.openxmlformats.org/drawingml/2006/main" xmlns:r="http://schemas.openxmlformats.org/officeDocument/2006/relationships" xmlns:p="http://schemas.openxmlformats.org/presentationml/2006/main" type="secHead" preserve="1">
-  <p:cSld name="Section Header">
+  <p:cSld name="Hlavička sekcie">
     <p:spTree>
       <p:nvGrpSpPr>
         <p:cNvPr id="1" name=""/>
@@ -1291,7 +1283,7 @@
       </p:grpSpPr>
       <p:sp>
         <p:nvSpPr>
-          <p:cNvPr id="2" name="Title 1"/>
+          <p:cNvPr id="2" name="Nadpis 1"/>
           <p:cNvSpPr>
             <a:spLocks noGrp="1"/>
           </p:cNvSpPr>
@@ -1314,16 +1306,15 @@
           </a:lstStyle>
           <a:p>
             <a:r>
-              <a:rPr lang="en-US" smtClean="0"/>
-              <a:t>Click to edit Master title style</a:t>
-            </a:r>
-            <a:endParaRPr lang="en-US" dirty="0"/>
-          </a:p>
-        </p:txBody>
-      </p:sp>
-      <p:sp>
-        <p:nvSpPr>
-          <p:cNvPr id="3" name="Text Placeholder 2"/>
+              <a:rPr lang="nl-NL"/>
+              <a:t>Upravte štýly predlohy textu</a:t>
+            </a:r>
+          </a:p>
+        </p:txBody>
+      </p:sp>
+      <p:sp>
+        <p:nvSpPr>
+          <p:cNvPr id="3" name="Zástupný symbol textu 2"/>
           <p:cNvSpPr>
             <a:spLocks noGrp="1"/>
           </p:cNvSpPr>
@@ -1434,15 +1425,15 @@
           <a:p>
             <a:pPr lvl="0"/>
             <a:r>
-              <a:rPr lang="en-US" smtClean="0"/>
-              <a:t>Click to edit Master text styles</a:t>
-            </a:r>
-          </a:p>
-        </p:txBody>
-      </p:sp>
-      <p:sp>
-        <p:nvSpPr>
-          <p:cNvPr id="4" name="Date Placeholder 3"/>
+              <a:rPr lang="nl-NL"/>
+              <a:t>Upravte štýl predlohy textu.</a:t>
+            </a:r>
+          </a:p>
+        </p:txBody>
+      </p:sp>
+      <p:sp>
+        <p:nvSpPr>
+          <p:cNvPr id="4" name="Zástupný symbol dátumu 3"/>
           <p:cNvSpPr>
             <a:spLocks noGrp="1"/>
           </p:cNvSpPr>
@@ -1455,17 +1446,17 @@
           <a:bodyPr/>
           <a:lstStyle/>
           <a:p>
-            <a:fld id="{BCC18F51-09EC-435C-A3BA-64A766E099C0}" type="datetimeFigureOut">
-              <a:rPr lang="en-US" smtClean="0"/>
-              <a:t>30.10.2013</a:t>
+            <a:fld id="{AD8E55F0-49D3-47F0-9F7C-B48EBAF4ED8F}" type="datetimeFigureOut">
+              <a:rPr lang="nl-NL" smtClean="0"/>
+              <a:t>14.12.2018</a:t>
             </a:fld>
-            <a:endParaRPr lang="en-US"/>
-          </a:p>
-        </p:txBody>
-      </p:sp>
-      <p:sp>
-        <p:nvSpPr>
-          <p:cNvPr id="5" name="Footer Placeholder 4"/>
+            <a:endParaRPr lang="nl-NL"/>
+          </a:p>
+        </p:txBody>
+      </p:sp>
+      <p:sp>
+        <p:nvSpPr>
+          <p:cNvPr id="5" name="Zástupný symbol päty 4"/>
           <p:cNvSpPr>
             <a:spLocks noGrp="1"/>
           </p:cNvSpPr>
@@ -1478,13 +1469,13 @@
           <a:bodyPr/>
           <a:lstStyle/>
           <a:p>
-            <a:endParaRPr lang="en-US"/>
-          </a:p>
-        </p:txBody>
-      </p:sp>
-      <p:sp>
-        <p:nvSpPr>
-          <p:cNvPr id="6" name="Slide Number Placeholder 5"/>
+            <a:endParaRPr lang="nl-NL"/>
+          </a:p>
+        </p:txBody>
+      </p:sp>
+      <p:sp>
+        <p:nvSpPr>
+          <p:cNvPr id="6" name="Zástupný symbol čísla snímky 5"/>
           <p:cNvSpPr>
             <a:spLocks noGrp="1"/>
           </p:cNvSpPr>
@@ -1497,18 +1488,18 @@
           <a:bodyPr/>
           <a:lstStyle/>
           <a:p>
-            <a:fld id="{08395586-F03A-48D1-94DF-16B239DF4FB5}" type="slidenum">
-              <a:rPr lang="en-US" smtClean="0"/>
+            <a:fld id="{2AD1342B-065B-40C6-A6BB-D997923519A3}" type="slidenum">
+              <a:rPr lang="nl-NL" smtClean="0"/>
               <a:t>‹#›</a:t>
             </a:fld>
-            <a:endParaRPr lang="en-US"/>
+            <a:endParaRPr lang="nl-NL"/>
           </a:p>
         </p:txBody>
       </p:sp>
     </p:spTree>
     <p:extLst>
       <p:ext uri="{BB962C8B-B14F-4D97-AF65-F5344CB8AC3E}">
-        <p14:creationId xmlns:p14="http://schemas.microsoft.com/office/powerpoint/2010/main" val="2072125890"/>
+        <p14:creationId xmlns:p14="http://schemas.microsoft.com/office/powerpoint/2010/main" val="1699707045"/>
       </p:ext>
     </p:extLst>
   </p:cSld>
@@ -1520,7 +1511,7 @@
 
 <file path=ppt/slideLayouts/slideLayout4.xml><?xml version="1.0" encoding="utf-8"?>
 <p:sldLayout xmlns:a="http://schemas.openxmlformats.org/drawingml/2006/main" xmlns:r="http://schemas.openxmlformats.org/officeDocument/2006/relationships" xmlns:p="http://schemas.openxmlformats.org/presentationml/2006/main" type="twoObj" preserve="1">
-  <p:cSld name="Two Content">
+  <p:cSld name="Dva obsahy">
     <p:spTree>
       <p:nvGrpSpPr>
         <p:cNvPr id="1" name=""/>
@@ -1537,7 +1528,7 @@
       </p:grpSpPr>
       <p:sp>
         <p:nvSpPr>
-          <p:cNvPr id="2" name="Title 1"/>
+          <p:cNvPr id="2" name="Nadpis 1"/>
           <p:cNvSpPr>
             <a:spLocks noGrp="1"/>
           </p:cNvSpPr>
@@ -1551,16 +1542,15 @@
           <a:lstStyle/>
           <a:p>
             <a:r>
-              <a:rPr lang="en-US" smtClean="0"/>
-              <a:t>Click to edit Master title style</a:t>
-            </a:r>
-            <a:endParaRPr lang="en-US" dirty="0"/>
-          </a:p>
-        </p:txBody>
-      </p:sp>
-      <p:sp>
-        <p:nvSpPr>
-          <p:cNvPr id="3" name="Content Placeholder 2"/>
+              <a:rPr lang="nl-NL"/>
+              <a:t>Upravte štýly predlohy textu</a:t>
+            </a:r>
+          </a:p>
+        </p:txBody>
+      </p:sp>
+      <p:sp>
+        <p:nvSpPr>
+          <p:cNvPr id="3" name="Zástupný symbol obsahu 2"/>
           <p:cNvSpPr>
             <a:spLocks noGrp="1"/>
           </p:cNvSpPr>
@@ -1580,44 +1570,43 @@
           <a:p>
             <a:pPr lvl="0"/>
             <a:r>
-              <a:rPr lang="en-US" smtClean="0"/>
-              <a:t>Click to edit Master text styles</a:t>
+              <a:rPr lang="nl-NL"/>
+              <a:t>Upravte štýl predlohy textu.</a:t>
             </a:r>
           </a:p>
           <a:p>
             <a:pPr lvl="1"/>
             <a:r>
-              <a:rPr lang="en-US" smtClean="0"/>
-              <a:t>Second level</a:t>
+              <a:rPr lang="nl-NL"/>
+              <a:t>Druhá úroveň</a:t>
             </a:r>
           </a:p>
           <a:p>
             <a:pPr lvl="2"/>
             <a:r>
-              <a:rPr lang="en-US" smtClean="0"/>
-              <a:t>Third level</a:t>
+              <a:rPr lang="nl-NL"/>
+              <a:t>Tretia úroveň</a:t>
             </a:r>
           </a:p>
           <a:p>
             <a:pPr lvl="3"/>
             <a:r>
-              <a:rPr lang="en-US" smtClean="0"/>
-              <a:t>Fourth level</a:t>
+              <a:rPr lang="nl-NL"/>
+              <a:t>Štvrtá úroveň</a:t>
             </a:r>
           </a:p>
           <a:p>
             <a:pPr lvl="4"/>
             <a:r>
-              <a:rPr lang="en-US" smtClean="0"/>
-              <a:t>Fifth level</a:t>
-            </a:r>
-            <a:endParaRPr lang="en-US" dirty="0"/>
-          </a:p>
-        </p:txBody>
-      </p:sp>
-      <p:sp>
-        <p:nvSpPr>
-          <p:cNvPr id="4" name="Content Placeholder 3"/>
+              <a:rPr lang="nl-NL"/>
+              <a:t>Piata úroveň</a:t>
+            </a:r>
+          </a:p>
+        </p:txBody>
+      </p:sp>
+      <p:sp>
+        <p:nvSpPr>
+          <p:cNvPr id="4" name="Zástupný symbol obsahu 3"/>
           <p:cNvSpPr>
             <a:spLocks noGrp="1"/>
           </p:cNvSpPr>
@@ -1637,44 +1626,43 @@
           <a:p>
             <a:pPr lvl="0"/>
             <a:r>
-              <a:rPr lang="en-US" smtClean="0"/>
-              <a:t>Click to edit Master text styles</a:t>
+              <a:rPr lang="nl-NL"/>
+              <a:t>Upravte štýl predlohy textu.</a:t>
             </a:r>
           </a:p>
           <a:p>
             <a:pPr lvl="1"/>
             <a:r>
-              <a:rPr lang="en-US" smtClean="0"/>
-              <a:t>Second level</a:t>
+              <a:rPr lang="nl-NL"/>
+              <a:t>Druhá úroveň</a:t>
             </a:r>
           </a:p>
           <a:p>
             <a:pPr lvl="2"/>
             <a:r>
-              <a:rPr lang="en-US" smtClean="0"/>
-              <a:t>Third level</a:t>
+              <a:rPr lang="nl-NL"/>
+              <a:t>Tretia úroveň</a:t>
             </a:r>
           </a:p>
           <a:p>
             <a:pPr lvl="3"/>
             <a:r>
-              <a:rPr lang="en-US" smtClean="0"/>
-              <a:t>Fourth level</a:t>
+              <a:rPr lang="nl-NL"/>
+              <a:t>Štvrtá úroveň</a:t>
             </a:r>
           </a:p>
           <a:p>
             <a:pPr lvl="4"/>
             <a:r>
-              <a:rPr lang="en-US" smtClean="0"/>
-              <a:t>Fifth level</a:t>
-            </a:r>
-            <a:endParaRPr lang="en-US" dirty="0"/>
-          </a:p>
-        </p:txBody>
-      </p:sp>
-      <p:sp>
-        <p:nvSpPr>
-          <p:cNvPr id="5" name="Date Placeholder 4"/>
+              <a:rPr lang="nl-NL"/>
+              <a:t>Piata úroveň</a:t>
+            </a:r>
+          </a:p>
+        </p:txBody>
+      </p:sp>
+      <p:sp>
+        <p:nvSpPr>
+          <p:cNvPr id="5" name="Zástupný symbol dátumu 4"/>
           <p:cNvSpPr>
             <a:spLocks noGrp="1"/>
           </p:cNvSpPr>
@@ -1687,17 +1675,17 @@
           <a:bodyPr/>
           <a:lstStyle/>
           <a:p>
-            <a:fld id="{BCC18F51-09EC-435C-A3BA-64A766E099C0}" type="datetimeFigureOut">
-              <a:rPr lang="en-US" smtClean="0"/>
-              <a:t>30.10.2013</a:t>
+            <a:fld id="{AD8E55F0-49D3-47F0-9F7C-B48EBAF4ED8F}" type="datetimeFigureOut">
+              <a:rPr lang="nl-NL" smtClean="0"/>
+              <a:t>14.12.2018</a:t>
             </a:fld>
-            <a:endParaRPr lang="en-US"/>
-          </a:p>
-        </p:txBody>
-      </p:sp>
-      <p:sp>
-        <p:nvSpPr>
-          <p:cNvPr id="6" name="Footer Placeholder 5"/>
+            <a:endParaRPr lang="nl-NL"/>
+          </a:p>
+        </p:txBody>
+      </p:sp>
+      <p:sp>
+        <p:nvSpPr>
+          <p:cNvPr id="6" name="Zástupný symbol päty 5"/>
           <p:cNvSpPr>
             <a:spLocks noGrp="1"/>
           </p:cNvSpPr>
@@ -1710,13 +1698,13 @@
           <a:bodyPr/>
           <a:lstStyle/>
           <a:p>
-            <a:endParaRPr lang="en-US"/>
-          </a:p>
-        </p:txBody>
-      </p:sp>
-      <p:sp>
-        <p:nvSpPr>
-          <p:cNvPr id="7" name="Slide Number Placeholder 6"/>
+            <a:endParaRPr lang="nl-NL"/>
+          </a:p>
+        </p:txBody>
+      </p:sp>
+      <p:sp>
+        <p:nvSpPr>
+          <p:cNvPr id="7" name="Zástupný symbol čísla snímky 6"/>
           <p:cNvSpPr>
             <a:spLocks noGrp="1"/>
           </p:cNvSpPr>
@@ -1729,18 +1717,18 @@
           <a:bodyPr/>
           <a:lstStyle/>
           <a:p>
-            <a:fld id="{08395586-F03A-48D1-94DF-16B239DF4FB5}" type="slidenum">
-              <a:rPr lang="en-US" smtClean="0"/>
+            <a:fld id="{2AD1342B-065B-40C6-A6BB-D997923519A3}" type="slidenum">
+              <a:rPr lang="nl-NL" smtClean="0"/>
               <a:t>‹#›</a:t>
             </a:fld>
-            <a:endParaRPr lang="en-US"/>
+            <a:endParaRPr lang="nl-NL"/>
           </a:p>
         </p:txBody>
       </p:sp>
     </p:spTree>
     <p:extLst>
       <p:ext uri="{BB962C8B-B14F-4D97-AF65-F5344CB8AC3E}">
-        <p14:creationId xmlns:p14="http://schemas.microsoft.com/office/powerpoint/2010/main" val="4243403397"/>
+        <p14:creationId xmlns:p14="http://schemas.microsoft.com/office/powerpoint/2010/main" val="766611395"/>
       </p:ext>
     </p:extLst>
   </p:cSld>
@@ -1752,7 +1740,7 @@
 
 <file path=ppt/slideLayouts/slideLayout5.xml><?xml version="1.0" encoding="utf-8"?>
 <p:sldLayout xmlns:a="http://schemas.openxmlformats.org/drawingml/2006/main" xmlns:r="http://schemas.openxmlformats.org/officeDocument/2006/relationships" xmlns:p="http://schemas.openxmlformats.org/presentationml/2006/main" type="twoTxTwoObj" preserve="1">
-  <p:cSld name="Comparison">
+  <p:cSld name="Porovnanie">
     <p:spTree>
       <p:nvGrpSpPr>
         <p:cNvPr id="1" name=""/>
@@ -1769,7 +1757,7 @@
       </p:grpSpPr>
       <p:sp>
         <p:nvSpPr>
-          <p:cNvPr id="2" name="Title 1"/>
+          <p:cNvPr id="2" name="Nadpis 1"/>
           <p:cNvSpPr>
             <a:spLocks noGrp="1"/>
           </p:cNvSpPr>
@@ -1788,16 +1776,15 @@
           <a:lstStyle/>
           <a:p>
             <a:r>
-              <a:rPr lang="en-US" smtClean="0"/>
-              <a:t>Click to edit Master title style</a:t>
-            </a:r>
-            <a:endParaRPr lang="en-US" dirty="0"/>
-          </a:p>
-        </p:txBody>
-      </p:sp>
-      <p:sp>
-        <p:nvSpPr>
-          <p:cNvPr id="3" name="Text Placeholder 2"/>
+              <a:rPr lang="nl-NL"/>
+              <a:t>Upravte štýly predlohy textu</a:t>
+            </a:r>
+          </a:p>
+        </p:txBody>
+      </p:sp>
+      <p:sp>
+        <p:nvSpPr>
+          <p:cNvPr id="3" name="Zástupný symbol textu 2"/>
           <p:cNvSpPr>
             <a:spLocks noGrp="1"/>
           </p:cNvSpPr>
@@ -1854,15 +1841,15 @@
           <a:p>
             <a:pPr lvl="0"/>
             <a:r>
-              <a:rPr lang="en-US" smtClean="0"/>
-              <a:t>Click to edit Master text styles</a:t>
-            </a:r>
-          </a:p>
-        </p:txBody>
-      </p:sp>
-      <p:sp>
-        <p:nvSpPr>
-          <p:cNvPr id="4" name="Content Placeholder 3"/>
+              <a:rPr lang="nl-NL"/>
+              <a:t>Upravte štýl predlohy textu.</a:t>
+            </a:r>
+          </a:p>
+        </p:txBody>
+      </p:sp>
+      <p:sp>
+        <p:nvSpPr>
+          <p:cNvPr id="4" name="Zástupný symbol obsahu 3"/>
           <p:cNvSpPr>
             <a:spLocks noGrp="1"/>
           </p:cNvSpPr>
@@ -1882,44 +1869,43 @@
           <a:p>
             <a:pPr lvl="0"/>
             <a:r>
-              <a:rPr lang="en-US" smtClean="0"/>
-              <a:t>Click to edit Master text styles</a:t>
+              <a:rPr lang="nl-NL"/>
+              <a:t>Upravte štýl predlohy textu.</a:t>
             </a:r>
           </a:p>
           <a:p>
             <a:pPr lvl="1"/>
             <a:r>
-              <a:rPr lang="en-US" smtClean="0"/>
-              <a:t>Second level</a:t>
+              <a:rPr lang="nl-NL"/>
+              <a:t>Druhá úroveň</a:t>
             </a:r>
           </a:p>
           <a:p>
             <a:pPr lvl="2"/>
             <a:r>
-              <a:rPr lang="en-US" smtClean="0"/>
-              <a:t>Third level</a:t>
+              <a:rPr lang="nl-NL"/>
+              <a:t>Tretia úroveň</a:t>
             </a:r>
           </a:p>
           <a:p>
             <a:pPr lvl="3"/>
             <a:r>
-              <a:rPr lang="en-US" smtClean="0"/>
-              <a:t>Fourth level</a:t>
+              <a:rPr lang="nl-NL"/>
+              <a:t>Štvrtá úroveň</a:t>
             </a:r>
           </a:p>
           <a:p>
             <a:pPr lvl="4"/>
             <a:r>
-              <a:rPr lang="en-US" smtClean="0"/>
-              <a:t>Fifth level</a:t>
-            </a:r>
-            <a:endParaRPr lang="en-US" dirty="0"/>
-          </a:p>
-        </p:txBody>
-      </p:sp>
-      <p:sp>
-        <p:nvSpPr>
-          <p:cNvPr id="5" name="Text Placeholder 4"/>
+              <a:rPr lang="nl-NL"/>
+              <a:t>Piata úroveň</a:t>
+            </a:r>
+          </a:p>
+        </p:txBody>
+      </p:sp>
+      <p:sp>
+        <p:nvSpPr>
+          <p:cNvPr id="5" name="Zástupný symbol textu 4"/>
           <p:cNvSpPr>
             <a:spLocks noGrp="1"/>
           </p:cNvSpPr>
@@ -1976,15 +1962,15 @@
           <a:p>
             <a:pPr lvl="0"/>
             <a:r>
-              <a:rPr lang="en-US" smtClean="0"/>
-              <a:t>Click to edit Master text styles</a:t>
-            </a:r>
-          </a:p>
-        </p:txBody>
-      </p:sp>
-      <p:sp>
-        <p:nvSpPr>
-          <p:cNvPr id="6" name="Content Placeholder 5"/>
+              <a:rPr lang="nl-NL"/>
+              <a:t>Upravte štýl predlohy textu.</a:t>
+            </a:r>
+          </a:p>
+        </p:txBody>
+      </p:sp>
+      <p:sp>
+        <p:nvSpPr>
+          <p:cNvPr id="6" name="Zástupný symbol obsahu 5"/>
           <p:cNvSpPr>
             <a:spLocks noGrp="1"/>
           </p:cNvSpPr>
@@ -2004,44 +1990,43 @@
           <a:p>
             <a:pPr lvl="0"/>
             <a:r>
-              <a:rPr lang="en-US" smtClean="0"/>
-              <a:t>Click to edit Master text styles</a:t>
+              <a:rPr lang="nl-NL"/>
+              <a:t>Upravte štýl predlohy textu.</a:t>
             </a:r>
           </a:p>
           <a:p>
             <a:pPr lvl="1"/>
             <a:r>
-              <a:rPr lang="en-US" smtClean="0"/>
-              <a:t>Second level</a:t>
+              <a:rPr lang="nl-NL"/>
+              <a:t>Druhá úroveň</a:t>
             </a:r>
           </a:p>
           <a:p>
             <a:pPr lvl="2"/>
             <a:r>
-              <a:rPr lang="en-US" smtClean="0"/>
-              <a:t>Third level</a:t>
+              <a:rPr lang="nl-NL"/>
+              <a:t>Tretia úroveň</a:t>
             </a:r>
           </a:p>
           <a:p>
             <a:pPr lvl="3"/>
             <a:r>
-              <a:rPr lang="en-US" smtClean="0"/>
-              <a:t>Fourth level</a:t>
+              <a:rPr lang="nl-NL"/>
+              <a:t>Štvrtá úroveň</a:t>
             </a:r>
           </a:p>
           <a:p>
             <a:pPr lvl="4"/>
             <a:r>
-              <a:rPr lang="en-US" smtClean="0"/>
-              <a:t>Fifth level</a:t>
-            </a:r>
-            <a:endParaRPr lang="en-US" dirty="0"/>
-          </a:p>
-        </p:txBody>
-      </p:sp>
-      <p:sp>
-        <p:nvSpPr>
-          <p:cNvPr id="7" name="Date Placeholder 6"/>
+              <a:rPr lang="nl-NL"/>
+              <a:t>Piata úroveň</a:t>
+            </a:r>
+          </a:p>
+        </p:txBody>
+      </p:sp>
+      <p:sp>
+        <p:nvSpPr>
+          <p:cNvPr id="7" name="Zástupný symbol dátumu 6"/>
           <p:cNvSpPr>
             <a:spLocks noGrp="1"/>
           </p:cNvSpPr>
@@ -2054,17 +2039,17 @@
           <a:bodyPr/>
           <a:lstStyle/>
           <a:p>
-            <a:fld id="{BCC18F51-09EC-435C-A3BA-64A766E099C0}" type="datetimeFigureOut">
-              <a:rPr lang="en-US" smtClean="0"/>
-              <a:t>30.10.2013</a:t>
+            <a:fld id="{AD8E55F0-49D3-47F0-9F7C-B48EBAF4ED8F}" type="datetimeFigureOut">
+              <a:rPr lang="nl-NL" smtClean="0"/>
+              <a:t>14.12.2018</a:t>
             </a:fld>
-            <a:endParaRPr lang="en-US"/>
-          </a:p>
-        </p:txBody>
-      </p:sp>
-      <p:sp>
-        <p:nvSpPr>
-          <p:cNvPr id="8" name="Footer Placeholder 7"/>
+            <a:endParaRPr lang="nl-NL"/>
+          </a:p>
+        </p:txBody>
+      </p:sp>
+      <p:sp>
+        <p:nvSpPr>
+          <p:cNvPr id="8" name="Zástupný symbol päty 7"/>
           <p:cNvSpPr>
             <a:spLocks noGrp="1"/>
           </p:cNvSpPr>
@@ -2077,13 +2062,13 @@
           <a:bodyPr/>
           <a:lstStyle/>
           <a:p>
-            <a:endParaRPr lang="en-US"/>
-          </a:p>
-        </p:txBody>
-      </p:sp>
-      <p:sp>
-        <p:nvSpPr>
-          <p:cNvPr id="9" name="Slide Number Placeholder 8"/>
+            <a:endParaRPr lang="nl-NL"/>
+          </a:p>
+        </p:txBody>
+      </p:sp>
+      <p:sp>
+        <p:nvSpPr>
+          <p:cNvPr id="9" name="Zástupný symbol čísla snímky 8"/>
           <p:cNvSpPr>
             <a:spLocks noGrp="1"/>
           </p:cNvSpPr>
@@ -2096,18 +2081,18 @@
           <a:bodyPr/>
           <a:lstStyle/>
           <a:p>
-            <a:fld id="{08395586-F03A-48D1-94DF-16B239DF4FB5}" type="slidenum">
-              <a:rPr lang="en-US" smtClean="0"/>
+            <a:fld id="{2AD1342B-065B-40C6-A6BB-D997923519A3}" type="slidenum">
+              <a:rPr lang="nl-NL" smtClean="0"/>
               <a:t>‹#›</a:t>
             </a:fld>
-            <a:endParaRPr lang="en-US"/>
+            <a:endParaRPr lang="nl-NL"/>
           </a:p>
         </p:txBody>
       </p:sp>
     </p:spTree>
     <p:extLst>
       <p:ext uri="{BB962C8B-B14F-4D97-AF65-F5344CB8AC3E}">
-        <p14:creationId xmlns:p14="http://schemas.microsoft.com/office/powerpoint/2010/main" val="3953759558"/>
+        <p14:creationId xmlns:p14="http://schemas.microsoft.com/office/powerpoint/2010/main" val="2350720522"/>
       </p:ext>
     </p:extLst>
   </p:cSld>
@@ -2119,7 +2104,7 @@
 
 <file path=ppt/slideLayouts/slideLayout6.xml><?xml version="1.0" encoding="utf-8"?>
 <p:sldLayout xmlns:a="http://schemas.openxmlformats.org/drawingml/2006/main" xmlns:r="http://schemas.openxmlformats.org/officeDocument/2006/relationships" xmlns:p="http://schemas.openxmlformats.org/presentationml/2006/main" type="titleOnly" preserve="1">
-  <p:cSld name="Title Only">
+  <p:cSld name="Len nadpis">
     <p:spTree>
       <p:nvGrpSpPr>
         <p:cNvPr id="1" name=""/>
@@ -2136,7 +2121,7 @@
       </p:grpSpPr>
       <p:sp>
         <p:nvSpPr>
-          <p:cNvPr id="2" name="Title 1"/>
+          <p:cNvPr id="2" name="Nadpis 1"/>
           <p:cNvSpPr>
             <a:spLocks noGrp="1"/>
           </p:cNvSpPr>
@@ -2150,16 +2135,15 @@
           <a:lstStyle/>
           <a:p>
             <a:r>
-              <a:rPr lang="en-US" smtClean="0"/>
-              <a:t>Click to edit Master title style</a:t>
-            </a:r>
-            <a:endParaRPr lang="en-US" dirty="0"/>
-          </a:p>
-        </p:txBody>
-      </p:sp>
-      <p:sp>
-        <p:nvSpPr>
-          <p:cNvPr id="3" name="Date Placeholder 2"/>
+              <a:rPr lang="nl-NL"/>
+              <a:t>Upravte štýly predlohy textu</a:t>
+            </a:r>
+          </a:p>
+        </p:txBody>
+      </p:sp>
+      <p:sp>
+        <p:nvSpPr>
+          <p:cNvPr id="3" name="Zástupný symbol dátumu 2"/>
           <p:cNvSpPr>
             <a:spLocks noGrp="1"/>
           </p:cNvSpPr>
@@ -2172,17 +2156,17 @@
           <a:bodyPr/>
           <a:lstStyle/>
           <a:p>
-            <a:fld id="{BCC18F51-09EC-435C-A3BA-64A766E099C0}" type="datetimeFigureOut">
-              <a:rPr lang="en-US" smtClean="0"/>
-              <a:t>30.10.2013</a:t>
+            <a:fld id="{AD8E55F0-49D3-47F0-9F7C-B48EBAF4ED8F}" type="datetimeFigureOut">
+              <a:rPr lang="nl-NL" smtClean="0"/>
+              <a:t>14.12.2018</a:t>
             </a:fld>
-            <a:endParaRPr lang="en-US"/>
-          </a:p>
-        </p:txBody>
-      </p:sp>
-      <p:sp>
-        <p:nvSpPr>
-          <p:cNvPr id="4" name="Footer Placeholder 3"/>
+            <a:endParaRPr lang="nl-NL"/>
+          </a:p>
+        </p:txBody>
+      </p:sp>
+      <p:sp>
+        <p:nvSpPr>
+          <p:cNvPr id="4" name="Zástupný symbol päty 3"/>
           <p:cNvSpPr>
             <a:spLocks noGrp="1"/>
           </p:cNvSpPr>
@@ -2195,13 +2179,13 @@
           <a:bodyPr/>
           <a:lstStyle/>
           <a:p>
-            <a:endParaRPr lang="en-US"/>
-          </a:p>
-        </p:txBody>
-      </p:sp>
-      <p:sp>
-        <p:nvSpPr>
-          <p:cNvPr id="5" name="Slide Number Placeholder 4"/>
+            <a:endParaRPr lang="nl-NL"/>
+          </a:p>
+        </p:txBody>
+      </p:sp>
+      <p:sp>
+        <p:nvSpPr>
+          <p:cNvPr id="5" name="Zástupný symbol čísla snímky 4"/>
           <p:cNvSpPr>
             <a:spLocks noGrp="1"/>
           </p:cNvSpPr>
@@ -2214,18 +2198,18 @@
           <a:bodyPr/>
           <a:lstStyle/>
           <a:p>
-            <a:fld id="{08395586-F03A-48D1-94DF-16B239DF4FB5}" type="slidenum">
-              <a:rPr lang="en-US" smtClean="0"/>
+            <a:fld id="{2AD1342B-065B-40C6-A6BB-D997923519A3}" type="slidenum">
+              <a:rPr lang="nl-NL" smtClean="0"/>
               <a:t>‹#›</a:t>
             </a:fld>
-            <a:endParaRPr lang="en-US"/>
+            <a:endParaRPr lang="nl-NL"/>
           </a:p>
         </p:txBody>
       </p:sp>
     </p:spTree>
     <p:extLst>
       <p:ext uri="{BB962C8B-B14F-4D97-AF65-F5344CB8AC3E}">
-        <p14:creationId xmlns:p14="http://schemas.microsoft.com/office/powerpoint/2010/main" val="3815284972"/>
+        <p14:creationId xmlns:p14="http://schemas.microsoft.com/office/powerpoint/2010/main" val="2126593512"/>
       </p:ext>
     </p:extLst>
   </p:cSld>
@@ -2237,7 +2221,7 @@
 
 <file path=ppt/slideLayouts/slideLayout7.xml><?xml version="1.0" encoding="utf-8"?>
 <p:sldLayout xmlns:a="http://schemas.openxmlformats.org/drawingml/2006/main" xmlns:r="http://schemas.openxmlformats.org/officeDocument/2006/relationships" xmlns:p="http://schemas.openxmlformats.org/presentationml/2006/main" type="blank" preserve="1">
-  <p:cSld name="Blank">
+  <p:cSld name="Prázdna">
     <p:spTree>
       <p:nvGrpSpPr>
         <p:cNvPr id="1" name=""/>
@@ -2254,7 +2238,7 @@
       </p:grpSpPr>
       <p:sp>
         <p:nvSpPr>
-          <p:cNvPr id="2" name="Date Placeholder 1"/>
+          <p:cNvPr id="2" name="Zástupný symbol dátumu 1"/>
           <p:cNvSpPr>
             <a:spLocks noGrp="1"/>
           </p:cNvSpPr>
@@ -2267,17 +2251,17 @@
           <a:bodyPr/>
           <a:lstStyle/>
           <a:p>
-            <a:fld id="{BCC18F51-09EC-435C-A3BA-64A766E099C0}" type="datetimeFigureOut">
-              <a:rPr lang="en-US" smtClean="0"/>
-              <a:t>30.10.2013</a:t>
+            <a:fld id="{AD8E55F0-49D3-47F0-9F7C-B48EBAF4ED8F}" type="datetimeFigureOut">
+              <a:rPr lang="nl-NL" smtClean="0"/>
+              <a:t>14.12.2018</a:t>
             </a:fld>
-            <a:endParaRPr lang="en-US"/>
-          </a:p>
-        </p:txBody>
-      </p:sp>
-      <p:sp>
-        <p:nvSpPr>
-          <p:cNvPr id="3" name="Footer Placeholder 2"/>
+            <a:endParaRPr lang="nl-NL"/>
+          </a:p>
+        </p:txBody>
+      </p:sp>
+      <p:sp>
+        <p:nvSpPr>
+          <p:cNvPr id="3" name="Zástupný symbol päty 2"/>
           <p:cNvSpPr>
             <a:spLocks noGrp="1"/>
           </p:cNvSpPr>
@@ -2290,13 +2274,13 @@
           <a:bodyPr/>
           <a:lstStyle/>
           <a:p>
-            <a:endParaRPr lang="en-US"/>
-          </a:p>
-        </p:txBody>
-      </p:sp>
-      <p:sp>
-        <p:nvSpPr>
-          <p:cNvPr id="4" name="Slide Number Placeholder 3"/>
+            <a:endParaRPr lang="nl-NL"/>
+          </a:p>
+        </p:txBody>
+      </p:sp>
+      <p:sp>
+        <p:nvSpPr>
+          <p:cNvPr id="4" name="Zástupný symbol čísla snímky 3"/>
           <p:cNvSpPr>
             <a:spLocks noGrp="1"/>
           </p:cNvSpPr>
@@ -2309,18 +2293,18 @@
           <a:bodyPr/>
           <a:lstStyle/>
           <a:p>
-            <a:fld id="{08395586-F03A-48D1-94DF-16B239DF4FB5}" type="slidenum">
-              <a:rPr lang="en-US" smtClean="0"/>
+            <a:fld id="{2AD1342B-065B-40C6-A6BB-D997923519A3}" type="slidenum">
+              <a:rPr lang="nl-NL" smtClean="0"/>
               <a:t>‹#›</a:t>
             </a:fld>
-            <a:endParaRPr lang="en-US"/>
+            <a:endParaRPr lang="nl-NL"/>
           </a:p>
         </p:txBody>
       </p:sp>
     </p:spTree>
     <p:extLst>
       <p:ext uri="{BB962C8B-B14F-4D97-AF65-F5344CB8AC3E}">
-        <p14:creationId xmlns:p14="http://schemas.microsoft.com/office/powerpoint/2010/main" val="3035599116"/>
+        <p14:creationId xmlns:p14="http://schemas.microsoft.com/office/powerpoint/2010/main" val="2202979165"/>
       </p:ext>
     </p:extLst>
   </p:cSld>
@@ -2332,7 +2316,7 @@
 
 <file path=ppt/slideLayouts/slideLayout8.xml><?xml version="1.0" encoding="utf-8"?>
 <p:sldLayout xmlns:a="http://schemas.openxmlformats.org/drawingml/2006/main" xmlns:r="http://schemas.openxmlformats.org/officeDocument/2006/relationships" xmlns:p="http://schemas.openxmlformats.org/presentationml/2006/main" type="objTx" preserve="1">
-  <p:cSld name="Content with Caption">
+  <p:cSld name="Obsah s popisom">
     <p:spTree>
       <p:nvGrpSpPr>
         <p:cNvPr id="1" name=""/>
@@ -2349,7 +2333,7 @@
       </p:grpSpPr>
       <p:sp>
         <p:nvSpPr>
-          <p:cNvPr id="2" name="Title 1"/>
+          <p:cNvPr id="2" name="Nadpis 1"/>
           <p:cNvSpPr>
             <a:spLocks noGrp="1"/>
           </p:cNvSpPr>
@@ -2372,16 +2356,15 @@
           </a:lstStyle>
           <a:p>
             <a:r>
-              <a:rPr lang="en-US" smtClean="0"/>
-              <a:t>Click to edit Master title style</a:t>
-            </a:r>
-            <a:endParaRPr lang="en-US" dirty="0"/>
-          </a:p>
-        </p:txBody>
-      </p:sp>
-      <p:sp>
-        <p:nvSpPr>
-          <p:cNvPr id="3" name="Content Placeholder 2"/>
+              <a:rPr lang="nl-NL"/>
+              <a:t>Upravte štýly predlohy textu</a:t>
+            </a:r>
+          </a:p>
+        </p:txBody>
+      </p:sp>
+      <p:sp>
+        <p:nvSpPr>
+          <p:cNvPr id="3" name="Zástupný symbol obsahu 2"/>
           <p:cNvSpPr>
             <a:spLocks noGrp="1"/>
           </p:cNvSpPr>
@@ -2429,44 +2412,43 @@
           <a:p>
             <a:pPr lvl="0"/>
             <a:r>
-              <a:rPr lang="en-US" smtClean="0"/>
-              <a:t>Click to edit Master text styles</a:t>
+              <a:rPr lang="nl-NL"/>
+              <a:t>Upravte štýl predlohy textu.</a:t>
             </a:r>
           </a:p>
           <a:p>
             <a:pPr lvl="1"/>
             <a:r>
-              <a:rPr lang="en-US" smtClean="0"/>
-              <a:t>Second level</a:t>
+              <a:rPr lang="nl-NL"/>
+              <a:t>Druhá úroveň</a:t>
             </a:r>
           </a:p>
           <a:p>
             <a:pPr lvl="2"/>
             <a:r>
-              <a:rPr lang="en-US" smtClean="0"/>
-              <a:t>Third level</a:t>
+              <a:rPr lang="nl-NL"/>
+              <a:t>Tretia úroveň</a:t>
             </a:r>
           </a:p>
           <a:p>
             <a:pPr lvl="3"/>
             <a:r>
-              <a:rPr lang="en-US" smtClean="0"/>
-              <a:t>Fourth level</a:t>
+              <a:rPr lang="nl-NL"/>
+              <a:t>Štvrtá úroveň</a:t>
             </a:r>
           </a:p>
           <a:p>
             <a:pPr lvl="4"/>
             <a:r>
-              <a:rPr lang="en-US" smtClean="0"/>
-              <a:t>Fifth level</a:t>
-            </a:r>
-            <a:endParaRPr lang="en-US" dirty="0"/>
-          </a:p>
-        </p:txBody>
-      </p:sp>
-      <p:sp>
-        <p:nvSpPr>
-          <p:cNvPr id="4" name="Text Placeholder 3"/>
+              <a:rPr lang="nl-NL"/>
+              <a:t>Piata úroveň</a:t>
+            </a:r>
+          </a:p>
+        </p:txBody>
+      </p:sp>
+      <p:sp>
+        <p:nvSpPr>
+          <p:cNvPr id="4" name="Zástupný symbol textu 3"/>
           <p:cNvSpPr>
             <a:spLocks noGrp="1"/>
           </p:cNvSpPr>
@@ -2523,15 +2505,15 @@
           <a:p>
             <a:pPr lvl="0"/>
             <a:r>
-              <a:rPr lang="en-US" smtClean="0"/>
-              <a:t>Click to edit Master text styles</a:t>
-            </a:r>
-          </a:p>
-        </p:txBody>
-      </p:sp>
-      <p:sp>
-        <p:nvSpPr>
-          <p:cNvPr id="5" name="Date Placeholder 4"/>
+              <a:rPr lang="nl-NL"/>
+              <a:t>Upravte štýl predlohy textu.</a:t>
+            </a:r>
+          </a:p>
+        </p:txBody>
+      </p:sp>
+      <p:sp>
+        <p:nvSpPr>
+          <p:cNvPr id="5" name="Zástupný symbol dátumu 4"/>
           <p:cNvSpPr>
             <a:spLocks noGrp="1"/>
           </p:cNvSpPr>
@@ -2544,17 +2526,17 @@
           <a:bodyPr/>
           <a:lstStyle/>
           <a:p>
-            <a:fld id="{BCC18F51-09EC-435C-A3BA-64A766E099C0}" type="datetimeFigureOut">
-              <a:rPr lang="en-US" smtClean="0"/>
-              <a:t>30.10.2013</a:t>
+            <a:fld id="{AD8E55F0-49D3-47F0-9F7C-B48EBAF4ED8F}" type="datetimeFigureOut">
+              <a:rPr lang="nl-NL" smtClean="0"/>
+              <a:t>14.12.2018</a:t>
             </a:fld>
-            <a:endParaRPr lang="en-US"/>
-          </a:p>
-        </p:txBody>
-      </p:sp>
-      <p:sp>
-        <p:nvSpPr>
-          <p:cNvPr id="6" name="Footer Placeholder 5"/>
+            <a:endParaRPr lang="nl-NL"/>
+          </a:p>
+        </p:txBody>
+      </p:sp>
+      <p:sp>
+        <p:nvSpPr>
+          <p:cNvPr id="6" name="Zástupný symbol päty 5"/>
           <p:cNvSpPr>
             <a:spLocks noGrp="1"/>
           </p:cNvSpPr>
@@ -2567,13 +2549,13 @@
           <a:bodyPr/>
           <a:lstStyle/>
           <a:p>
-            <a:endParaRPr lang="en-US"/>
-          </a:p>
-        </p:txBody>
-      </p:sp>
-      <p:sp>
-        <p:nvSpPr>
-          <p:cNvPr id="7" name="Slide Number Placeholder 6"/>
+            <a:endParaRPr lang="nl-NL"/>
+          </a:p>
+        </p:txBody>
+      </p:sp>
+      <p:sp>
+        <p:nvSpPr>
+          <p:cNvPr id="7" name="Zástupný symbol čísla snímky 6"/>
           <p:cNvSpPr>
             <a:spLocks noGrp="1"/>
           </p:cNvSpPr>
@@ -2586,18 +2568,18 @@
           <a:bodyPr/>
           <a:lstStyle/>
           <a:p>
-            <a:fld id="{08395586-F03A-48D1-94DF-16B239DF4FB5}" type="slidenum">
-              <a:rPr lang="en-US" smtClean="0"/>
+            <a:fld id="{2AD1342B-065B-40C6-A6BB-D997923519A3}" type="slidenum">
+              <a:rPr lang="nl-NL" smtClean="0"/>
               <a:t>‹#›</a:t>
             </a:fld>
-            <a:endParaRPr lang="en-US"/>
+            <a:endParaRPr lang="nl-NL"/>
           </a:p>
         </p:txBody>
       </p:sp>
     </p:spTree>
     <p:extLst>
       <p:ext uri="{BB962C8B-B14F-4D97-AF65-F5344CB8AC3E}">
-        <p14:creationId xmlns:p14="http://schemas.microsoft.com/office/powerpoint/2010/main" val="1714960738"/>
+        <p14:creationId xmlns:p14="http://schemas.microsoft.com/office/powerpoint/2010/main" val="908768759"/>
       </p:ext>
     </p:extLst>
   </p:cSld>
@@ -2609,7 +2591,7 @@
 
 <file path=ppt/slideLayouts/slideLayout9.xml><?xml version="1.0" encoding="utf-8"?>
 <p:sldLayout xmlns:a="http://schemas.openxmlformats.org/drawingml/2006/main" xmlns:r="http://schemas.openxmlformats.org/officeDocument/2006/relationships" xmlns:p="http://schemas.openxmlformats.org/presentationml/2006/main" type="picTx" preserve="1">
-  <p:cSld name="Picture with Caption">
+  <p:cSld name="Obrázok s popisom">
     <p:spTree>
       <p:nvGrpSpPr>
         <p:cNvPr id="1" name=""/>
@@ -2626,7 +2608,7 @@
       </p:grpSpPr>
       <p:sp>
         <p:nvSpPr>
-          <p:cNvPr id="2" name="Title 1"/>
+          <p:cNvPr id="2" name="Nadpis 1"/>
           <p:cNvSpPr>
             <a:spLocks noGrp="1"/>
           </p:cNvSpPr>
@@ -2649,18 +2631,17 @@
           </a:lstStyle>
           <a:p>
             <a:r>
-              <a:rPr lang="en-US" smtClean="0"/>
-              <a:t>Click to edit Master title style</a:t>
-            </a:r>
-            <a:endParaRPr lang="en-US" dirty="0"/>
-          </a:p>
-        </p:txBody>
-      </p:sp>
-      <p:sp>
-        <p:nvSpPr>
-          <p:cNvPr id="3" name="Picture Placeholder 2"/>
-          <p:cNvSpPr>
-            <a:spLocks noGrp="1" noChangeAspect="1"/>
+              <a:rPr lang="nl-NL"/>
+              <a:t>Upravte štýly predlohy textu</a:t>
+            </a:r>
+          </a:p>
+        </p:txBody>
+      </p:sp>
+      <p:sp>
+        <p:nvSpPr>
+          <p:cNvPr id="3" name="Zástupný symbol obrázka 2"/>
+          <p:cNvSpPr>
+            <a:spLocks noGrp="1"/>
           </p:cNvSpPr>
           <p:nvPr>
             <p:ph type="pic" idx="1"/>
@@ -2673,7 +2654,7 @@
           </a:xfrm>
         </p:spPr>
         <p:txBody>
-          <a:bodyPr anchor="t"/>
+          <a:bodyPr/>
           <a:lstStyle>
             <a:lvl1pPr marL="0" indent="0">
               <a:buNone/>
@@ -2713,17 +2694,13 @@
             </a:lvl9pPr>
           </a:lstStyle>
           <a:p>
-            <a:r>
-              <a:rPr lang="en-US" smtClean="0"/>
-              <a:t>Click icon to add picture</a:t>
-            </a:r>
-            <a:endParaRPr lang="en-US" dirty="0"/>
-          </a:p>
-        </p:txBody>
-      </p:sp>
-      <p:sp>
-        <p:nvSpPr>
-          <p:cNvPr id="4" name="Text Placeholder 3"/>
+            <a:endParaRPr lang="nl-NL"/>
+          </a:p>
+        </p:txBody>
+      </p:sp>
+      <p:sp>
+        <p:nvSpPr>
+          <p:cNvPr id="4" name="Zástupný symbol textu 3"/>
           <p:cNvSpPr>
             <a:spLocks noGrp="1"/>
           </p:cNvSpPr>
@@ -2780,15 +2757,15 @@
           <a:p>
             <a:pPr lvl="0"/>
             <a:r>
-              <a:rPr lang="en-US" smtClean="0"/>
-              <a:t>Click to edit Master text styles</a:t>
-            </a:r>
-          </a:p>
-        </p:txBody>
-      </p:sp>
-      <p:sp>
-        <p:nvSpPr>
-          <p:cNvPr id="5" name="Date Placeholder 4"/>
+              <a:rPr lang="nl-NL"/>
+              <a:t>Upravte štýl predlohy textu.</a:t>
+            </a:r>
+          </a:p>
+        </p:txBody>
+      </p:sp>
+      <p:sp>
+        <p:nvSpPr>
+          <p:cNvPr id="5" name="Zástupný symbol dátumu 4"/>
           <p:cNvSpPr>
             <a:spLocks noGrp="1"/>
           </p:cNvSpPr>
@@ -2801,17 +2778,17 @@
           <a:bodyPr/>
           <a:lstStyle/>
           <a:p>
-            <a:fld id="{BCC18F51-09EC-435C-A3BA-64A766E099C0}" type="datetimeFigureOut">
-              <a:rPr lang="en-US" smtClean="0"/>
-              <a:t>30.10.2013</a:t>
+            <a:fld id="{AD8E55F0-49D3-47F0-9F7C-B48EBAF4ED8F}" type="datetimeFigureOut">
+              <a:rPr lang="nl-NL" smtClean="0"/>
+              <a:t>14.12.2018</a:t>
             </a:fld>
-            <a:endParaRPr lang="en-US"/>
-          </a:p>
-        </p:txBody>
-      </p:sp>
-      <p:sp>
-        <p:nvSpPr>
-          <p:cNvPr id="6" name="Footer Placeholder 5"/>
+            <a:endParaRPr lang="nl-NL"/>
+          </a:p>
+        </p:txBody>
+      </p:sp>
+      <p:sp>
+        <p:nvSpPr>
+          <p:cNvPr id="6" name="Zástupný symbol päty 5"/>
           <p:cNvSpPr>
             <a:spLocks noGrp="1"/>
           </p:cNvSpPr>
@@ -2824,13 +2801,13 @@
           <a:bodyPr/>
           <a:lstStyle/>
           <a:p>
-            <a:endParaRPr lang="en-US"/>
-          </a:p>
-        </p:txBody>
-      </p:sp>
-      <p:sp>
-        <p:nvSpPr>
-          <p:cNvPr id="7" name="Slide Number Placeholder 6"/>
+            <a:endParaRPr lang="nl-NL"/>
+          </a:p>
+        </p:txBody>
+      </p:sp>
+      <p:sp>
+        <p:nvSpPr>
+          <p:cNvPr id="7" name="Zástupný symbol čísla snímky 6"/>
           <p:cNvSpPr>
             <a:spLocks noGrp="1"/>
           </p:cNvSpPr>
@@ -2843,18 +2820,18 @@
           <a:bodyPr/>
           <a:lstStyle/>
           <a:p>
-            <a:fld id="{08395586-F03A-48D1-94DF-16B239DF4FB5}" type="slidenum">
-              <a:rPr lang="en-US" smtClean="0"/>
+            <a:fld id="{2AD1342B-065B-40C6-A6BB-D997923519A3}" type="slidenum">
+              <a:rPr lang="nl-NL" smtClean="0"/>
               <a:t>‹#›</a:t>
             </a:fld>
-            <a:endParaRPr lang="en-US"/>
+            <a:endParaRPr lang="nl-NL"/>
           </a:p>
         </p:txBody>
       </p:sp>
     </p:spTree>
     <p:extLst>
       <p:ext uri="{BB962C8B-B14F-4D97-AF65-F5344CB8AC3E}">
-        <p14:creationId xmlns:p14="http://schemas.microsoft.com/office/powerpoint/2010/main" val="3255540774"/>
+        <p14:creationId xmlns:p14="http://schemas.microsoft.com/office/powerpoint/2010/main" val="2413177480"/>
       </p:ext>
     </p:extLst>
   </p:cSld>
@@ -2888,7 +2865,7 @@
       </p:grpSpPr>
       <p:sp>
         <p:nvSpPr>
-          <p:cNvPr id="2" name="Title Placeholder 1"/>
+          <p:cNvPr id="2" name="Zástupný symbol nadpisu 1"/>
           <p:cNvSpPr>
             <a:spLocks noGrp="1"/>
           </p:cNvSpPr>
@@ -2912,16 +2889,15 @@
           <a:lstStyle/>
           <a:p>
             <a:r>
-              <a:rPr lang="en-US" smtClean="0"/>
-              <a:t>Click to edit Master title style</a:t>
-            </a:r>
-            <a:endParaRPr lang="en-US" dirty="0"/>
-          </a:p>
-        </p:txBody>
-      </p:sp>
-      <p:sp>
-        <p:nvSpPr>
-          <p:cNvPr id="3" name="Text Placeholder 2"/>
+              <a:rPr lang="nl-NL"/>
+              <a:t>Upravte štýly predlohy textu</a:t>
+            </a:r>
+          </a:p>
+        </p:txBody>
+      </p:sp>
+      <p:sp>
+        <p:nvSpPr>
+          <p:cNvPr id="3" name="Zástupný symbol textu 2"/>
           <p:cNvSpPr>
             <a:spLocks noGrp="1"/>
           </p:cNvSpPr>
@@ -2946,44 +2922,43 @@
           <a:p>
             <a:pPr lvl="0"/>
             <a:r>
-              <a:rPr lang="en-US" smtClean="0"/>
-              <a:t>Click to edit Master text styles</a:t>
+              <a:rPr lang="nl-NL"/>
+              <a:t>Upravte štýl predlohy textu.</a:t>
             </a:r>
           </a:p>
           <a:p>
             <a:pPr lvl="1"/>
             <a:r>
-              <a:rPr lang="en-US" smtClean="0"/>
-              <a:t>Second level</a:t>
+              <a:rPr lang="nl-NL"/>
+              <a:t>Druhá úroveň</a:t>
             </a:r>
           </a:p>
           <a:p>
             <a:pPr lvl="2"/>
             <a:r>
-              <a:rPr lang="en-US" smtClean="0"/>
-              <a:t>Third level</a:t>
+              <a:rPr lang="nl-NL"/>
+              <a:t>Tretia úroveň</a:t>
             </a:r>
           </a:p>
           <a:p>
             <a:pPr lvl="3"/>
             <a:r>
-              <a:rPr lang="en-US" smtClean="0"/>
-              <a:t>Fourth level</a:t>
+              <a:rPr lang="nl-NL"/>
+              <a:t>Štvrtá úroveň</a:t>
             </a:r>
           </a:p>
           <a:p>
             <a:pPr lvl="4"/>
             <a:r>
-              <a:rPr lang="en-US" smtClean="0"/>
-              <a:t>Fifth level</a:t>
-            </a:r>
-            <a:endParaRPr lang="en-US" dirty="0"/>
-          </a:p>
-        </p:txBody>
-      </p:sp>
-      <p:sp>
-        <p:nvSpPr>
-          <p:cNvPr id="4" name="Date Placeholder 3"/>
+              <a:rPr lang="nl-NL"/>
+              <a:t>Piata úroveň</a:t>
+            </a:r>
+          </a:p>
+        </p:txBody>
+      </p:sp>
+      <p:sp>
+        <p:nvSpPr>
+          <p:cNvPr id="4" name="Zástupný symbol dátumu 3"/>
           <p:cNvSpPr>
             <a:spLocks noGrp="1"/>
           </p:cNvSpPr>
@@ -3014,17 +2989,17 @@
             </a:lvl1pPr>
           </a:lstStyle>
           <a:p>
-            <a:fld id="{BCC18F51-09EC-435C-A3BA-64A766E099C0}" type="datetimeFigureOut">
-              <a:rPr lang="en-US" smtClean="0"/>
-              <a:t>30.10.2013</a:t>
+            <a:fld id="{AD8E55F0-49D3-47F0-9F7C-B48EBAF4ED8F}" type="datetimeFigureOut">
+              <a:rPr lang="nl-NL" smtClean="0"/>
+              <a:t>14.12.2018</a:t>
             </a:fld>
-            <a:endParaRPr lang="en-US"/>
-          </a:p>
-        </p:txBody>
-      </p:sp>
-      <p:sp>
-        <p:nvSpPr>
-          <p:cNvPr id="5" name="Footer Placeholder 4"/>
+            <a:endParaRPr lang="nl-NL"/>
+          </a:p>
+        </p:txBody>
+      </p:sp>
+      <p:sp>
+        <p:nvSpPr>
+          <p:cNvPr id="5" name="Zástupný symbol päty 4"/>
           <p:cNvSpPr>
             <a:spLocks noGrp="1"/>
           </p:cNvSpPr>
@@ -3055,13 +3030,13 @@
             </a:lvl1pPr>
           </a:lstStyle>
           <a:p>
-            <a:endParaRPr lang="en-US"/>
-          </a:p>
-        </p:txBody>
-      </p:sp>
-      <p:sp>
-        <p:nvSpPr>
-          <p:cNvPr id="6" name="Slide Number Placeholder 5"/>
+            <a:endParaRPr lang="nl-NL"/>
+          </a:p>
+        </p:txBody>
+      </p:sp>
+      <p:sp>
+        <p:nvSpPr>
+          <p:cNvPr id="6" name="Zástupný symbol čísla snímky 5"/>
           <p:cNvSpPr>
             <a:spLocks noGrp="1"/>
           </p:cNvSpPr>
@@ -3092,34 +3067,34 @@
             </a:lvl1pPr>
           </a:lstStyle>
           <a:p>
-            <a:fld id="{08395586-F03A-48D1-94DF-16B239DF4FB5}" type="slidenum">
-              <a:rPr lang="en-US" smtClean="0"/>
+            <a:fld id="{2AD1342B-065B-40C6-A6BB-D997923519A3}" type="slidenum">
+              <a:rPr lang="nl-NL" smtClean="0"/>
               <a:t>‹#›</a:t>
             </a:fld>
-            <a:endParaRPr lang="en-US"/>
+            <a:endParaRPr lang="nl-NL"/>
           </a:p>
         </p:txBody>
       </p:sp>
     </p:spTree>
     <p:extLst>
       <p:ext uri="{BB962C8B-B14F-4D97-AF65-F5344CB8AC3E}">
-        <p14:creationId xmlns:p14="http://schemas.microsoft.com/office/powerpoint/2010/main" val="4124136512"/>
+        <p14:creationId xmlns:p14="http://schemas.microsoft.com/office/powerpoint/2010/main" val="3985243729"/>
       </p:ext>
     </p:extLst>
   </p:cSld>
   <p:clrMap bg1="lt1" tx1="dk1" bg2="lt2" tx2="dk2" accent1="accent1" accent2="accent2" accent3="accent3" accent4="accent4" accent5="accent5" accent6="accent6" hlink="hlink" folHlink="folHlink"/>
   <p:sldLayoutIdLst>
-    <p:sldLayoutId id="2147483673" r:id="rId1"/>
-    <p:sldLayoutId id="2147483674" r:id="rId2"/>
-    <p:sldLayoutId id="2147483675" r:id="rId3"/>
-    <p:sldLayoutId id="2147483676" r:id="rId4"/>
-    <p:sldLayoutId id="2147483677" r:id="rId5"/>
-    <p:sldLayoutId id="2147483678" r:id="rId6"/>
-    <p:sldLayoutId id="2147483679" r:id="rId7"/>
-    <p:sldLayoutId id="2147483680" r:id="rId8"/>
-    <p:sldLayoutId id="2147483681" r:id="rId9"/>
-    <p:sldLayoutId id="2147483682" r:id="rId10"/>
-    <p:sldLayoutId id="2147483683" r:id="rId11"/>
+    <p:sldLayoutId id="2147483649" r:id="rId1"/>
+    <p:sldLayoutId id="2147483650" r:id="rId2"/>
+    <p:sldLayoutId id="2147483651" r:id="rId3"/>
+    <p:sldLayoutId id="2147483652" r:id="rId4"/>
+    <p:sldLayoutId id="2147483653" r:id="rId5"/>
+    <p:sldLayoutId id="2147483654" r:id="rId6"/>
+    <p:sldLayoutId id="2147483655" r:id="rId7"/>
+    <p:sldLayoutId id="2147483656" r:id="rId8"/>
+    <p:sldLayoutId id="2147483657" r:id="rId9"/>
+    <p:sldLayoutId id="2147483658" r:id="rId10"/>
+    <p:sldLayoutId id="2147483659" r:id="rId11"/>
   </p:sldLayoutIdLst>
   <p:txStyles>
     <p:titleStyle>
@@ -3307,7 +3282,7 @@
     </p:bodyStyle>
     <p:otherStyle>
       <a:defPPr>
-        <a:defRPr lang="en-US"/>
+        <a:defRPr lang="nl-NL"/>
       </a:defPPr>
       <a:lvl1pPr marL="0" algn="l" defTabSz="914400" rtl="0" eaLnBrk="1" latinLnBrk="0" hangingPunct="1">
         <a:defRPr sz="1800" kern="1200">
@@ -3436,7 +3411,7 @@
           <a:bodyPr/>
           <a:lstStyle/>
           <a:p>
-            <a:endParaRPr lang="en-US" dirty="0"/>
+            <a:endParaRPr lang="nl-NL" dirty="0"/>
           </a:p>
         </p:txBody>
       </p:sp>
@@ -3455,7 +3430,7 @@
           <a:bodyPr/>
           <a:lstStyle/>
           <a:p>
-            <a:endParaRPr lang="en-US" dirty="0"/>
+            <a:endParaRPr lang="nl-NL" dirty="0"/>
           </a:p>
         </p:txBody>
       </p:sp>
@@ -3475,7 +3450,7 @@
 <file path=ppt/theme/theme1.xml><?xml version="1.0" encoding="utf-8"?>
 <a:theme xmlns:a="http://schemas.openxmlformats.org/drawingml/2006/main" name="Office Theme">
   <a:themeElements>
-    <a:clrScheme name="Office Theme">
+    <a:clrScheme name="New Office">
       <a:dk1>
         <a:sysClr val="windowText" lastClr="000000"/>
       </a:dk1>

--- a/new/nl-NL/new.pptx
+++ b/new/nl-NL/new.pptx
@@ -142,7 +142,7 @@
       </p:grpSpPr>
       <p:sp>
         <p:nvSpPr>
-          <p:cNvPr id="2" name="Header Placeholder 1"/>
+          <p:cNvPr id="2" name="Tijdelijke aanduiding voor koptekst 1"/>
           <p:cNvSpPr>
             <a:spLocks noGrp="1"/>
           </p:cNvSpPr>
@@ -173,7 +173,7 @@
       </p:sp>
       <p:sp>
         <p:nvSpPr>
-          <p:cNvPr id="3" name="Date Placeholder 2"/>
+          <p:cNvPr id="3" name="Datum tijdelijke aanduiding 2"/>
           <p:cNvSpPr>
             <a:spLocks noGrp="1"/>
           </p:cNvSpPr>
@@ -208,7 +208,7 @@
       </p:sp>
       <p:sp>
         <p:nvSpPr>
-          <p:cNvPr id="4" name="Slide Image Placeholder 3"/>
+          <p:cNvPr id="4" name="Tijdelijke aanduiding voor diaafbeelding 3"/>
           <p:cNvSpPr>
             <a:spLocks noGrp="1" noRot="1" noChangeAspect="1"/>
           </p:cNvSpPr>
@@ -241,7 +241,7 @@
       </p:sp>
       <p:sp>
         <p:nvSpPr>
-          <p:cNvPr id="5" name="Notes Placeholder 4"/>
+          <p:cNvPr id="5" name="Opmerkingen Tijdelijke aanduiding 4"/>
           <p:cNvSpPr>
             <a:spLocks noGrp="1"/>
           </p:cNvSpPr>
@@ -265,43 +265,43 @@
             <a:pPr lvl="0"/>
             <a:r>
               <a:rPr lang="nl-NL" smtClean="0"/>
-              <a:t>Click to edit Master text styles</a:t>
+              <a:t>Klik om de modelstijlen te bewerken</a:t>
             </a:r>
           </a:p>
           <a:p>
             <a:pPr lvl="1"/>
             <a:r>
               <a:rPr lang="nl-NL" smtClean="0"/>
-              <a:t>Second level</a:t>
+              <a:t>Tweede niveau</a:t>
             </a:r>
           </a:p>
           <a:p>
             <a:pPr lvl="2"/>
             <a:r>
               <a:rPr lang="nl-NL" smtClean="0"/>
-              <a:t>Third level</a:t>
+              <a:t>Derde niveau</a:t>
             </a:r>
           </a:p>
           <a:p>
             <a:pPr lvl="3"/>
             <a:r>
               <a:rPr lang="nl-NL" smtClean="0"/>
-              <a:t>Fourth level</a:t>
+              <a:t>Vierde niveau</a:t>
             </a:r>
           </a:p>
           <a:p>
             <a:pPr lvl="4"/>
             <a:r>
               <a:rPr lang="nl-NL" smtClean="0"/>
-              <a:t>Fifth level</a:t>
-            </a:r>
-            <a:endParaRPr lang="nl-NL"/>
-          </a:p>
-        </p:txBody>
-      </p:sp>
-      <p:sp>
-        <p:nvSpPr>
-          <p:cNvPr id="6" name="Footer Placeholder 5"/>
+              <a:t>Vijfde niveau</a:t>
+            </a:r>
+            <a:endParaRPr lang="nl-NL"/>
+          </a:p>
+        </p:txBody>
+      </p:sp>
+      <p:sp>
+        <p:nvSpPr>
+          <p:cNvPr id="6" name="Tijdelijke aanduiding voor voettekst 5"/>
           <p:cNvSpPr>
             <a:spLocks noGrp="1"/>
           </p:cNvSpPr>
@@ -332,7 +332,7 @@
       </p:sp>
       <p:sp>
         <p:nvSpPr>
-          <p:cNvPr id="7" name="Slide Number Placeholder 6"/>
+          <p:cNvPr id="7" name="Tijdelijke aanduiding voor dianummer 6"/>
           <p:cNvSpPr>
             <a:spLocks noGrp="1"/>
           </p:cNvSpPr>
@@ -487,7 +487,7 @@
       </p:grpSpPr>
       <p:sp>
         <p:nvSpPr>
-          <p:cNvPr id="2" name="Slide Image Placeholder 1"/>
+          <p:cNvPr id="2" name="Tijdelijke aanduiding voor diaafbeelding 1"/>
           <p:cNvSpPr>
             <a:spLocks noGrp="1" noRot="1" noChangeAspect="1"/>
           </p:cNvSpPr>
@@ -504,7 +504,7 @@
       </p:sp>
       <p:sp>
         <p:nvSpPr>
-          <p:cNvPr id="3" name="Notes Placeholder 2"/>
+          <p:cNvPr id="3" name="Opmerkingen Tijdelijke aanduiding 2"/>
           <p:cNvSpPr>
             <a:spLocks noGrp="1"/>
           </p:cNvSpPr>
@@ -526,7 +526,7 @@
       </p:sp>
       <p:sp>
         <p:nvSpPr>
-          <p:cNvPr id="4" name="Slide Number Placeholder 3"/>
+          <p:cNvPr id="4" name="Tijdelijke aanduiding voor dianummer 3"/>
           <p:cNvSpPr>
             <a:spLocks noGrp="1"/>
           </p:cNvSpPr>
@@ -562,7 +562,7 @@
 
 <file path=ppt/slideLayouts/slideLayout1.xml><?xml version="1.0" encoding="utf-8"?>
 <p:sldLayout xmlns:a="http://schemas.openxmlformats.org/drawingml/2006/main" xmlns:r="http://schemas.openxmlformats.org/officeDocument/2006/relationships" xmlns:p="http://schemas.openxmlformats.org/presentationml/2006/main" type="title" preserve="1">
-  <p:cSld name="Úvodná snímka">
+  <p:cSld name="Titeldia">
     <p:spTree>
       <p:nvGrpSpPr>
         <p:cNvPr id="1" name=""/>
@@ -579,7 +579,7 @@
       </p:grpSpPr>
       <p:sp>
         <p:nvSpPr>
-          <p:cNvPr id="2" name="Nadpis 1"/>
+          <p:cNvPr id="2" name="Titel 1"/>
           <p:cNvSpPr>
             <a:spLocks noGrp="1"/>
           </p:cNvSpPr>
@@ -603,14 +603,14 @@
           <a:p>
             <a:r>
               <a:rPr lang="nl-NL"/>
-              <a:t>Upravte štýly predlohy textu</a:t>
-            </a:r>
-          </a:p>
-        </p:txBody>
-      </p:sp>
-      <p:sp>
-        <p:nvSpPr>
-          <p:cNvPr id="3" name="Podnadpis 2"/>
+              <a:t>Klik om de stijl te bewerken</a:t>
+            </a:r>
+          </a:p>
+        </p:txBody>
+      </p:sp>
+      <p:sp>
+        <p:nvSpPr>
+          <p:cNvPr id="3" name="Ondertitel 2"/>
           <p:cNvSpPr>
             <a:spLocks noGrp="1"/>
           </p:cNvSpPr>
@@ -667,14 +667,14 @@
           <a:p>
             <a:r>
               <a:rPr lang="nl-NL"/>
-              <a:t>Upravte štýl predlohy podnadpisov</a:t>
-            </a:r>
-          </a:p>
-        </p:txBody>
-      </p:sp>
-      <p:sp>
-        <p:nvSpPr>
-          <p:cNvPr id="4" name="Zástupný symbol dátumu 3"/>
+              <a:t>Klik om de ondertitelstijl van het model te bewerken</a:t>
+            </a:r>
+          </a:p>
+        </p:txBody>
+      </p:sp>
+      <p:sp>
+        <p:nvSpPr>
+          <p:cNvPr id="4" name="Tijdelijke aanduiding voor datum 3"/>
           <p:cNvSpPr>
             <a:spLocks noGrp="1"/>
           </p:cNvSpPr>
@@ -697,7 +697,7 @@
       </p:sp>
       <p:sp>
         <p:nvSpPr>
-          <p:cNvPr id="5" name="Zástupný symbol päty 4"/>
+          <p:cNvPr id="5" name="Tijdelijke aanduiding voor voettekst 4"/>
           <p:cNvSpPr>
             <a:spLocks noGrp="1"/>
           </p:cNvSpPr>
@@ -716,7 +716,7 @@
       </p:sp>
       <p:sp>
         <p:nvSpPr>
-          <p:cNvPr id="6" name="Zástupný symbol čísla snímky 5"/>
+          <p:cNvPr id="6" name="Tijdelijke aanduiding voor dianummer 5"/>
           <p:cNvSpPr>
             <a:spLocks noGrp="1"/>
           </p:cNvSpPr>
@@ -752,7 +752,7 @@
 
 <file path=ppt/slideLayouts/slideLayout10.xml><?xml version="1.0" encoding="utf-8"?>
 <p:sldLayout xmlns:a="http://schemas.openxmlformats.org/drawingml/2006/main" xmlns:r="http://schemas.openxmlformats.org/officeDocument/2006/relationships" xmlns:p="http://schemas.openxmlformats.org/presentationml/2006/main" type="vertTx" preserve="1">
-  <p:cSld name="Nadpis a zvislý text">
+  <p:cSld name="Titel en verticale tekst">
     <p:spTree>
       <p:nvGrpSpPr>
         <p:cNvPr id="1" name=""/>
@@ -769,7 +769,7 @@
       </p:grpSpPr>
       <p:sp>
         <p:nvSpPr>
-          <p:cNvPr id="2" name="Nadpis 1"/>
+          <p:cNvPr id="2" name="Titel 1"/>
           <p:cNvSpPr>
             <a:spLocks noGrp="1"/>
           </p:cNvSpPr>
@@ -784,14 +784,14 @@
           <a:p>
             <a:r>
               <a:rPr lang="nl-NL"/>
-              <a:t>Upravte štýly predlohy textu</a:t>
-            </a:r>
-          </a:p>
-        </p:txBody>
-      </p:sp>
-      <p:sp>
-        <p:nvSpPr>
-          <p:cNvPr id="3" name="Zástupný symbol zvislého textu 2"/>
+              <a:t>Klik om de stijl te bewerken</a:t>
+            </a:r>
+          </a:p>
+        </p:txBody>
+      </p:sp>
+      <p:sp>
+        <p:nvSpPr>
+          <p:cNvPr id="3" name="Tijdelijke aanduiding voor verticale tekst 2"/>
           <p:cNvSpPr>
             <a:spLocks noGrp="1"/>
           </p:cNvSpPr>
@@ -807,42 +807,42 @@
             <a:pPr lvl="0"/>
             <a:r>
               <a:rPr lang="nl-NL"/>
-              <a:t>Upravte štýl predlohy textu.</a:t>
+              <a:t>Klik om de modelstijlen te bewerken</a:t>
             </a:r>
           </a:p>
           <a:p>
             <a:pPr lvl="1"/>
             <a:r>
               <a:rPr lang="nl-NL"/>
-              <a:t>Druhá úroveň</a:t>
+              <a:t>Tweede niveau</a:t>
             </a:r>
           </a:p>
           <a:p>
             <a:pPr lvl="2"/>
             <a:r>
               <a:rPr lang="nl-NL"/>
-              <a:t>Tretia úroveň</a:t>
+              <a:t>Derde niveau</a:t>
             </a:r>
           </a:p>
           <a:p>
             <a:pPr lvl="3"/>
             <a:r>
               <a:rPr lang="nl-NL"/>
-              <a:t>Štvrtá úroveň</a:t>
+              <a:t>Vierde niveau</a:t>
             </a:r>
           </a:p>
           <a:p>
             <a:pPr lvl="4"/>
             <a:r>
               <a:rPr lang="nl-NL"/>
-              <a:t>Piata úroveň</a:t>
-            </a:r>
-          </a:p>
-        </p:txBody>
-      </p:sp>
-      <p:sp>
-        <p:nvSpPr>
-          <p:cNvPr id="4" name="Zástupný symbol dátumu 3"/>
+              <a:t>Vijfde niveau</a:t>
+            </a:r>
+          </a:p>
+        </p:txBody>
+      </p:sp>
+      <p:sp>
+        <p:nvSpPr>
+          <p:cNvPr id="4" name="Tijdelijke aanduiding voor datum 3"/>
           <p:cNvSpPr>
             <a:spLocks noGrp="1"/>
           </p:cNvSpPr>
@@ -865,7 +865,7 @@
       </p:sp>
       <p:sp>
         <p:nvSpPr>
-          <p:cNvPr id="5" name="Zástupný symbol päty 4"/>
+          <p:cNvPr id="5" name="Tijdelijke aanduiding voor voettekst 4"/>
           <p:cNvSpPr>
             <a:spLocks noGrp="1"/>
           </p:cNvSpPr>
@@ -884,7 +884,7 @@
       </p:sp>
       <p:sp>
         <p:nvSpPr>
-          <p:cNvPr id="6" name="Zástupný symbol čísla snímky 5"/>
+          <p:cNvPr id="6" name="Tijdelijke aanduiding voor dianummer 5"/>
           <p:cNvSpPr>
             <a:spLocks noGrp="1"/>
           </p:cNvSpPr>
@@ -920,7 +920,7 @@
 
 <file path=ppt/slideLayouts/slideLayout11.xml><?xml version="1.0" encoding="utf-8"?>
 <p:sldLayout xmlns:a="http://schemas.openxmlformats.org/drawingml/2006/main" xmlns:r="http://schemas.openxmlformats.org/officeDocument/2006/relationships" xmlns:p="http://schemas.openxmlformats.org/presentationml/2006/main" type="vertTitleAndTx" preserve="1">
-  <p:cSld name="Zvislý nadpis a text">
+  <p:cSld name="Verticale titel en tekst">
     <p:spTree>
       <p:nvGrpSpPr>
         <p:cNvPr id="1" name=""/>
@@ -937,7 +937,7 @@
       </p:grpSpPr>
       <p:sp>
         <p:nvSpPr>
-          <p:cNvPr id="2" name="Zvislý nadpis 1"/>
+          <p:cNvPr id="2" name="Verticale titel 1"/>
           <p:cNvSpPr>
             <a:spLocks noGrp="1"/>
           </p:cNvSpPr>
@@ -957,14 +957,14 @@
           <a:p>
             <a:r>
               <a:rPr lang="nl-NL"/>
-              <a:t>Upravte štýly predlohy textu</a:t>
-            </a:r>
-          </a:p>
-        </p:txBody>
-      </p:sp>
-      <p:sp>
-        <p:nvSpPr>
-          <p:cNvPr id="3" name="Zástupný symbol zvislého textu 2"/>
+              <a:t>Klik om de stijl te bewerken</a:t>
+            </a:r>
+          </a:p>
+        </p:txBody>
+      </p:sp>
+      <p:sp>
+        <p:nvSpPr>
+          <p:cNvPr id="3" name="Tijdelijke aanduiding voor verticale tekst 2"/>
           <p:cNvSpPr>
             <a:spLocks noGrp="1"/>
           </p:cNvSpPr>
@@ -985,42 +985,42 @@
             <a:pPr lvl="0"/>
             <a:r>
               <a:rPr lang="nl-NL"/>
-              <a:t>Upravte štýl predlohy textu.</a:t>
+              <a:t>Klik om de modelstijlen te bewerken</a:t>
             </a:r>
           </a:p>
           <a:p>
             <a:pPr lvl="1"/>
             <a:r>
               <a:rPr lang="nl-NL"/>
-              <a:t>Druhá úroveň</a:t>
+              <a:t>Tweede niveau</a:t>
             </a:r>
           </a:p>
           <a:p>
             <a:pPr lvl="2"/>
             <a:r>
               <a:rPr lang="nl-NL"/>
-              <a:t>Tretia úroveň</a:t>
+              <a:t>Derde niveau</a:t>
             </a:r>
           </a:p>
           <a:p>
             <a:pPr lvl="3"/>
             <a:r>
               <a:rPr lang="nl-NL"/>
-              <a:t>Štvrtá úroveň</a:t>
+              <a:t>Vierde niveau</a:t>
             </a:r>
           </a:p>
           <a:p>
             <a:pPr lvl="4"/>
             <a:r>
               <a:rPr lang="nl-NL"/>
-              <a:t>Piata úroveň</a:t>
-            </a:r>
-          </a:p>
-        </p:txBody>
-      </p:sp>
-      <p:sp>
-        <p:nvSpPr>
-          <p:cNvPr id="4" name="Zástupný symbol dátumu 3"/>
+              <a:t>Vijfde niveau</a:t>
+            </a:r>
+          </a:p>
+        </p:txBody>
+      </p:sp>
+      <p:sp>
+        <p:nvSpPr>
+          <p:cNvPr id="4" name="Tijdelijke aanduiding voor datum 3"/>
           <p:cNvSpPr>
             <a:spLocks noGrp="1"/>
           </p:cNvSpPr>
@@ -1043,7 +1043,7 @@
       </p:sp>
       <p:sp>
         <p:nvSpPr>
-          <p:cNvPr id="5" name="Zástupný symbol päty 4"/>
+          <p:cNvPr id="5" name="Tijdelijke aanduiding voor voettekst 4"/>
           <p:cNvSpPr>
             <a:spLocks noGrp="1"/>
           </p:cNvSpPr>
@@ -1062,7 +1062,7 @@
       </p:sp>
       <p:sp>
         <p:nvSpPr>
-          <p:cNvPr id="6" name="Zástupný symbol čísla snímky 5"/>
+          <p:cNvPr id="6" name="Tijdelijke aanduiding voor dianummer 5"/>
           <p:cNvSpPr>
             <a:spLocks noGrp="1"/>
           </p:cNvSpPr>
@@ -1098,7 +1098,7 @@
 
 <file path=ppt/slideLayouts/slideLayout2.xml><?xml version="1.0" encoding="utf-8"?>
 <p:sldLayout xmlns:a="http://schemas.openxmlformats.org/drawingml/2006/main" xmlns:r="http://schemas.openxmlformats.org/officeDocument/2006/relationships" xmlns:p="http://schemas.openxmlformats.org/presentationml/2006/main" type="obj" preserve="1">
-  <p:cSld name="Nadpis a obsah">
+  <p:cSld name="Titel en object">
     <p:spTree>
       <p:nvGrpSpPr>
         <p:cNvPr id="1" name=""/>
@@ -1115,7 +1115,7 @@
       </p:grpSpPr>
       <p:sp>
         <p:nvSpPr>
-          <p:cNvPr id="2" name="Nadpis 1"/>
+          <p:cNvPr id="2" name="Titel 1"/>
           <p:cNvSpPr>
             <a:spLocks noGrp="1"/>
           </p:cNvSpPr>
@@ -1130,14 +1130,14 @@
           <a:p>
             <a:r>
               <a:rPr lang="nl-NL"/>
-              <a:t>Upravte štýly predlohy textu</a:t>
-            </a:r>
-          </a:p>
-        </p:txBody>
-      </p:sp>
-      <p:sp>
-        <p:nvSpPr>
-          <p:cNvPr id="3" name="Zástupný symbol obsahu 2"/>
+              <a:t>Klik om de stijl te bewerken</a:t>
+            </a:r>
+          </a:p>
+        </p:txBody>
+      </p:sp>
+      <p:sp>
+        <p:nvSpPr>
+          <p:cNvPr id="3" name="Tijdelijke aanduiding voor inhoud 2"/>
           <p:cNvSpPr>
             <a:spLocks noGrp="1"/>
           </p:cNvSpPr>
@@ -1153,42 +1153,42 @@
             <a:pPr lvl="0"/>
             <a:r>
               <a:rPr lang="nl-NL"/>
-              <a:t>Upravte štýl predlohy textu.</a:t>
+              <a:t>Klik om de modelstijlen te bewerken</a:t>
             </a:r>
           </a:p>
           <a:p>
             <a:pPr lvl="1"/>
             <a:r>
               <a:rPr lang="nl-NL"/>
-              <a:t>Druhá úroveň</a:t>
+              <a:t>Tweede niveau</a:t>
             </a:r>
           </a:p>
           <a:p>
             <a:pPr lvl="2"/>
             <a:r>
               <a:rPr lang="nl-NL"/>
-              <a:t>Tretia úroveň</a:t>
+              <a:t>Derde niveau</a:t>
             </a:r>
           </a:p>
           <a:p>
             <a:pPr lvl="3"/>
             <a:r>
               <a:rPr lang="nl-NL"/>
-              <a:t>Štvrtá úroveň</a:t>
+              <a:t>Vierde niveau</a:t>
             </a:r>
           </a:p>
           <a:p>
             <a:pPr lvl="4"/>
             <a:r>
               <a:rPr lang="nl-NL"/>
-              <a:t>Piata úroveň</a:t>
-            </a:r>
-          </a:p>
-        </p:txBody>
-      </p:sp>
-      <p:sp>
-        <p:nvSpPr>
-          <p:cNvPr id="4" name="Zástupný symbol dátumu 3"/>
+              <a:t>Vijfde niveau</a:t>
+            </a:r>
+          </a:p>
+        </p:txBody>
+      </p:sp>
+      <p:sp>
+        <p:nvSpPr>
+          <p:cNvPr id="4" name="Tijdelijke aanduiding voor datum 3"/>
           <p:cNvSpPr>
             <a:spLocks noGrp="1"/>
           </p:cNvSpPr>
@@ -1211,7 +1211,7 @@
       </p:sp>
       <p:sp>
         <p:nvSpPr>
-          <p:cNvPr id="5" name="Zástupný symbol päty 4"/>
+          <p:cNvPr id="5" name="Tijdelijke aanduiding voor voettekst 4"/>
           <p:cNvSpPr>
             <a:spLocks noGrp="1"/>
           </p:cNvSpPr>
@@ -1230,7 +1230,7 @@
       </p:sp>
       <p:sp>
         <p:nvSpPr>
-          <p:cNvPr id="6" name="Zástupný symbol čísla snímky 5"/>
+          <p:cNvPr id="6" name="Tijdelijke aanduiding voor dianummer 5"/>
           <p:cNvSpPr>
             <a:spLocks noGrp="1"/>
           </p:cNvSpPr>
@@ -1266,7 +1266,7 @@
 
 <file path=ppt/slideLayouts/slideLayout3.xml><?xml version="1.0" encoding="utf-8"?>
 <p:sldLayout xmlns:a="http://schemas.openxmlformats.org/drawingml/2006/main" xmlns:r="http://schemas.openxmlformats.org/officeDocument/2006/relationships" xmlns:p="http://schemas.openxmlformats.org/presentationml/2006/main" type="secHead" preserve="1">
-  <p:cSld name="Hlavička sekcie">
+  <p:cSld name="Sectiekop">
     <p:spTree>
       <p:nvGrpSpPr>
         <p:cNvPr id="1" name=""/>
@@ -1283,7 +1283,7 @@
       </p:grpSpPr>
       <p:sp>
         <p:nvSpPr>
-          <p:cNvPr id="2" name="Nadpis 1"/>
+          <p:cNvPr id="2" name="Titel 1"/>
           <p:cNvSpPr>
             <a:spLocks noGrp="1"/>
           </p:cNvSpPr>
@@ -1307,14 +1307,14 @@
           <a:p>
             <a:r>
               <a:rPr lang="nl-NL"/>
-              <a:t>Upravte štýly predlohy textu</a:t>
-            </a:r>
-          </a:p>
-        </p:txBody>
-      </p:sp>
-      <p:sp>
-        <p:nvSpPr>
-          <p:cNvPr id="3" name="Zástupný symbol textu 2"/>
+              <a:t>Klik om de stijl te bewerken</a:t>
+            </a:r>
+          </a:p>
+        </p:txBody>
+      </p:sp>
+      <p:sp>
+        <p:nvSpPr>
+          <p:cNvPr id="3" name="Tijdelijke aanduiding voor tekst 2"/>
           <p:cNvSpPr>
             <a:spLocks noGrp="1"/>
           </p:cNvSpPr>
@@ -1426,14 +1426,14 @@
             <a:pPr lvl="0"/>
             <a:r>
               <a:rPr lang="nl-NL"/>
-              <a:t>Upravte štýl predlohy textu.</a:t>
-            </a:r>
-          </a:p>
-        </p:txBody>
-      </p:sp>
-      <p:sp>
-        <p:nvSpPr>
-          <p:cNvPr id="4" name="Zástupný symbol dátumu 3"/>
+              <a:t>Klik om de modelstijlen te bewerken</a:t>
+            </a:r>
+          </a:p>
+        </p:txBody>
+      </p:sp>
+      <p:sp>
+        <p:nvSpPr>
+          <p:cNvPr id="4" name="Tijdelijke aanduiding voor datum 3"/>
           <p:cNvSpPr>
             <a:spLocks noGrp="1"/>
           </p:cNvSpPr>
@@ -1456,7 +1456,7 @@
       </p:sp>
       <p:sp>
         <p:nvSpPr>
-          <p:cNvPr id="5" name="Zástupný symbol päty 4"/>
+          <p:cNvPr id="5" name="Tijdelijke aanduiding voor voettekst 4"/>
           <p:cNvSpPr>
             <a:spLocks noGrp="1"/>
           </p:cNvSpPr>
@@ -1475,7 +1475,7 @@
       </p:sp>
       <p:sp>
         <p:nvSpPr>
-          <p:cNvPr id="6" name="Zástupný symbol čísla snímky 5"/>
+          <p:cNvPr id="6" name="Tijdelijke aanduiding voor dianummer 5"/>
           <p:cNvSpPr>
             <a:spLocks noGrp="1"/>
           </p:cNvSpPr>
@@ -1511,7 +1511,7 @@
 
 <file path=ppt/slideLayouts/slideLayout4.xml><?xml version="1.0" encoding="utf-8"?>
 <p:sldLayout xmlns:a="http://schemas.openxmlformats.org/drawingml/2006/main" xmlns:r="http://schemas.openxmlformats.org/officeDocument/2006/relationships" xmlns:p="http://schemas.openxmlformats.org/presentationml/2006/main" type="twoObj" preserve="1">
-  <p:cSld name="Dva obsahy">
+  <p:cSld name="Inhoud van twee">
     <p:spTree>
       <p:nvGrpSpPr>
         <p:cNvPr id="1" name=""/>
@@ -1528,7 +1528,7 @@
       </p:grpSpPr>
       <p:sp>
         <p:nvSpPr>
-          <p:cNvPr id="2" name="Nadpis 1"/>
+          <p:cNvPr id="2" name="Titel 1"/>
           <p:cNvSpPr>
             <a:spLocks noGrp="1"/>
           </p:cNvSpPr>
@@ -1543,14 +1543,14 @@
           <a:p>
             <a:r>
               <a:rPr lang="nl-NL"/>
-              <a:t>Upravte štýly predlohy textu</a:t>
-            </a:r>
-          </a:p>
-        </p:txBody>
-      </p:sp>
-      <p:sp>
-        <p:nvSpPr>
-          <p:cNvPr id="3" name="Zástupný symbol obsahu 2"/>
+              <a:t>Klik om de stijl te bewerken</a:t>
+            </a:r>
+          </a:p>
+        </p:txBody>
+      </p:sp>
+      <p:sp>
+        <p:nvSpPr>
+          <p:cNvPr id="3" name="Tijdelijke aanduiding voor inhoud 2"/>
           <p:cNvSpPr>
             <a:spLocks noGrp="1"/>
           </p:cNvSpPr>
@@ -1571,42 +1571,42 @@
             <a:pPr lvl="0"/>
             <a:r>
               <a:rPr lang="nl-NL"/>
-              <a:t>Upravte štýl predlohy textu.</a:t>
+              <a:t>Klik om de modelstijlen te bewerken</a:t>
             </a:r>
           </a:p>
           <a:p>
             <a:pPr lvl="1"/>
             <a:r>
               <a:rPr lang="nl-NL"/>
-              <a:t>Druhá úroveň</a:t>
+              <a:t>Tweede niveau</a:t>
             </a:r>
           </a:p>
           <a:p>
             <a:pPr lvl="2"/>
             <a:r>
               <a:rPr lang="nl-NL"/>
-              <a:t>Tretia úroveň</a:t>
+              <a:t>Derde niveau</a:t>
             </a:r>
           </a:p>
           <a:p>
             <a:pPr lvl="3"/>
             <a:r>
               <a:rPr lang="nl-NL"/>
-              <a:t>Štvrtá úroveň</a:t>
+              <a:t>Vierde niveau</a:t>
             </a:r>
           </a:p>
           <a:p>
             <a:pPr lvl="4"/>
             <a:r>
               <a:rPr lang="nl-NL"/>
-              <a:t>Piata úroveň</a:t>
-            </a:r>
-          </a:p>
-        </p:txBody>
-      </p:sp>
-      <p:sp>
-        <p:nvSpPr>
-          <p:cNvPr id="4" name="Zástupný symbol obsahu 3"/>
+              <a:t>Vijfde niveau</a:t>
+            </a:r>
+          </a:p>
+        </p:txBody>
+      </p:sp>
+      <p:sp>
+        <p:nvSpPr>
+          <p:cNvPr id="4" name="Tijdelijke aanduiding voor inhoud 3"/>
           <p:cNvSpPr>
             <a:spLocks noGrp="1"/>
           </p:cNvSpPr>
@@ -1627,42 +1627,42 @@
             <a:pPr lvl="0"/>
             <a:r>
               <a:rPr lang="nl-NL"/>
-              <a:t>Upravte štýl predlohy textu.</a:t>
+              <a:t>Klik om de modelstijlen te bewerken</a:t>
             </a:r>
           </a:p>
           <a:p>
             <a:pPr lvl="1"/>
             <a:r>
               <a:rPr lang="nl-NL"/>
-              <a:t>Druhá úroveň</a:t>
+              <a:t>Tweede niveau</a:t>
             </a:r>
           </a:p>
           <a:p>
             <a:pPr lvl="2"/>
             <a:r>
               <a:rPr lang="nl-NL"/>
-              <a:t>Tretia úroveň</a:t>
+              <a:t>Derde niveau</a:t>
             </a:r>
           </a:p>
           <a:p>
             <a:pPr lvl="3"/>
             <a:r>
               <a:rPr lang="nl-NL"/>
-              <a:t>Štvrtá úroveň</a:t>
+              <a:t>Vierde niveau</a:t>
             </a:r>
           </a:p>
           <a:p>
             <a:pPr lvl="4"/>
             <a:r>
               <a:rPr lang="nl-NL"/>
-              <a:t>Piata úroveň</a:t>
-            </a:r>
-          </a:p>
-        </p:txBody>
-      </p:sp>
-      <p:sp>
-        <p:nvSpPr>
-          <p:cNvPr id="5" name="Zástupný symbol dátumu 4"/>
+              <a:t>Vijfde niveau</a:t>
+            </a:r>
+          </a:p>
+        </p:txBody>
+      </p:sp>
+      <p:sp>
+        <p:nvSpPr>
+          <p:cNvPr id="5" name="Tijdelijke aanduiding voor datum 4"/>
           <p:cNvSpPr>
             <a:spLocks noGrp="1"/>
           </p:cNvSpPr>
@@ -1685,7 +1685,7 @@
       </p:sp>
       <p:sp>
         <p:nvSpPr>
-          <p:cNvPr id="6" name="Zástupný symbol päty 5"/>
+          <p:cNvPr id="6" name="Tijdelijke aanduiding voor voettekst 5"/>
           <p:cNvSpPr>
             <a:spLocks noGrp="1"/>
           </p:cNvSpPr>
@@ -1704,7 +1704,7 @@
       </p:sp>
       <p:sp>
         <p:nvSpPr>
-          <p:cNvPr id="7" name="Zástupný symbol čísla snímky 6"/>
+          <p:cNvPr id="7" name="Tijdelijke aanduiding voor dianummer 6"/>
           <p:cNvSpPr>
             <a:spLocks noGrp="1"/>
           </p:cNvSpPr>
@@ -1740,7 +1740,7 @@
 
 <file path=ppt/slideLayouts/slideLayout5.xml><?xml version="1.0" encoding="utf-8"?>
 <p:sldLayout xmlns:a="http://schemas.openxmlformats.org/drawingml/2006/main" xmlns:r="http://schemas.openxmlformats.org/officeDocument/2006/relationships" xmlns:p="http://schemas.openxmlformats.org/presentationml/2006/main" type="twoTxTwoObj" preserve="1">
-  <p:cSld name="Porovnanie">
+  <p:cSld name="Vergelijking">
     <p:spTree>
       <p:nvGrpSpPr>
         <p:cNvPr id="1" name=""/>
@@ -1757,7 +1757,7 @@
       </p:grpSpPr>
       <p:sp>
         <p:nvSpPr>
-          <p:cNvPr id="2" name="Nadpis 1"/>
+          <p:cNvPr id="2" name="Titel 1"/>
           <p:cNvSpPr>
             <a:spLocks noGrp="1"/>
           </p:cNvSpPr>
@@ -1777,14 +1777,14 @@
           <a:p>
             <a:r>
               <a:rPr lang="nl-NL"/>
-              <a:t>Upravte štýly predlohy textu</a:t>
-            </a:r>
-          </a:p>
-        </p:txBody>
-      </p:sp>
-      <p:sp>
-        <p:nvSpPr>
-          <p:cNvPr id="3" name="Zástupný symbol textu 2"/>
+              <a:t>Klik om de stijl te bewerken</a:t>
+            </a:r>
+          </a:p>
+        </p:txBody>
+      </p:sp>
+      <p:sp>
+        <p:nvSpPr>
+          <p:cNvPr id="3" name="Tijdelijke aanduiding voor tekst 2"/>
           <p:cNvSpPr>
             <a:spLocks noGrp="1"/>
           </p:cNvSpPr>
@@ -1842,14 +1842,14 @@
             <a:pPr lvl="0"/>
             <a:r>
               <a:rPr lang="nl-NL"/>
-              <a:t>Upravte štýl predlohy textu.</a:t>
-            </a:r>
-          </a:p>
-        </p:txBody>
-      </p:sp>
-      <p:sp>
-        <p:nvSpPr>
-          <p:cNvPr id="4" name="Zástupný symbol obsahu 3"/>
+              <a:t>Klik om de modelstijlen te bewerken</a:t>
+            </a:r>
+          </a:p>
+        </p:txBody>
+      </p:sp>
+      <p:sp>
+        <p:nvSpPr>
+          <p:cNvPr id="4" name="Tijdelijke aanduiding voor inhoud 3"/>
           <p:cNvSpPr>
             <a:spLocks noGrp="1"/>
           </p:cNvSpPr>
@@ -1870,42 +1870,42 @@
             <a:pPr lvl="0"/>
             <a:r>
               <a:rPr lang="nl-NL"/>
-              <a:t>Upravte štýl predlohy textu.</a:t>
+              <a:t>Klik om de modelstijlen te bewerken</a:t>
             </a:r>
           </a:p>
           <a:p>
             <a:pPr lvl="1"/>
             <a:r>
               <a:rPr lang="nl-NL"/>
-              <a:t>Druhá úroveň</a:t>
+              <a:t>Tweede niveau</a:t>
             </a:r>
           </a:p>
           <a:p>
             <a:pPr lvl="2"/>
             <a:r>
               <a:rPr lang="nl-NL"/>
-              <a:t>Tretia úroveň</a:t>
+              <a:t>Derde niveau</a:t>
             </a:r>
           </a:p>
           <a:p>
             <a:pPr lvl="3"/>
             <a:r>
               <a:rPr lang="nl-NL"/>
-              <a:t>Štvrtá úroveň</a:t>
+              <a:t>Vierde niveau</a:t>
             </a:r>
           </a:p>
           <a:p>
             <a:pPr lvl="4"/>
             <a:r>
               <a:rPr lang="nl-NL"/>
-              <a:t>Piata úroveň</a:t>
-            </a:r>
-          </a:p>
-        </p:txBody>
-      </p:sp>
-      <p:sp>
-        <p:nvSpPr>
-          <p:cNvPr id="5" name="Zástupný symbol textu 4"/>
+              <a:t>Vijfde niveau</a:t>
+            </a:r>
+          </a:p>
+        </p:txBody>
+      </p:sp>
+      <p:sp>
+        <p:nvSpPr>
+          <p:cNvPr id="5" name="Tijdelijke aanduiding voor tekst 4"/>
           <p:cNvSpPr>
             <a:spLocks noGrp="1"/>
           </p:cNvSpPr>
@@ -1963,14 +1963,14 @@
             <a:pPr lvl="0"/>
             <a:r>
               <a:rPr lang="nl-NL"/>
-              <a:t>Upravte štýl predlohy textu.</a:t>
-            </a:r>
-          </a:p>
-        </p:txBody>
-      </p:sp>
-      <p:sp>
-        <p:nvSpPr>
-          <p:cNvPr id="6" name="Zástupný symbol obsahu 5"/>
+              <a:t>Klik om de modelstijlen te bewerken</a:t>
+            </a:r>
+          </a:p>
+        </p:txBody>
+      </p:sp>
+      <p:sp>
+        <p:nvSpPr>
+          <p:cNvPr id="6" name="Tijdelijke aanduiding voor inhoud 5"/>
           <p:cNvSpPr>
             <a:spLocks noGrp="1"/>
           </p:cNvSpPr>
@@ -1991,42 +1991,42 @@
             <a:pPr lvl="0"/>
             <a:r>
               <a:rPr lang="nl-NL"/>
-              <a:t>Upravte štýl predlohy textu.</a:t>
+              <a:t>Klik om de modelstijlen te bewerken</a:t>
             </a:r>
           </a:p>
           <a:p>
             <a:pPr lvl="1"/>
             <a:r>
               <a:rPr lang="nl-NL"/>
-              <a:t>Druhá úroveň</a:t>
+              <a:t>Tweede niveau</a:t>
             </a:r>
           </a:p>
           <a:p>
             <a:pPr lvl="2"/>
             <a:r>
               <a:rPr lang="nl-NL"/>
-              <a:t>Tretia úroveň</a:t>
+              <a:t>Derde niveau</a:t>
             </a:r>
           </a:p>
           <a:p>
             <a:pPr lvl="3"/>
             <a:r>
               <a:rPr lang="nl-NL"/>
-              <a:t>Štvrtá úroveň</a:t>
+              <a:t>Vierde niveau</a:t>
             </a:r>
           </a:p>
           <a:p>
             <a:pPr lvl="4"/>
             <a:r>
               <a:rPr lang="nl-NL"/>
-              <a:t>Piata úroveň</a:t>
-            </a:r>
-          </a:p>
-        </p:txBody>
-      </p:sp>
-      <p:sp>
-        <p:nvSpPr>
-          <p:cNvPr id="7" name="Zástupný symbol dátumu 6"/>
+              <a:t>Vijfde niveau</a:t>
+            </a:r>
+          </a:p>
+        </p:txBody>
+      </p:sp>
+      <p:sp>
+        <p:nvSpPr>
+          <p:cNvPr id="7" name="Tijdelijke aanduiding voor datum 6"/>
           <p:cNvSpPr>
             <a:spLocks noGrp="1"/>
           </p:cNvSpPr>
@@ -2049,7 +2049,7 @@
       </p:sp>
       <p:sp>
         <p:nvSpPr>
-          <p:cNvPr id="8" name="Zástupný symbol päty 7"/>
+          <p:cNvPr id="8" name="Tijdelijke aanduiding voor voettekst 7"/>
           <p:cNvSpPr>
             <a:spLocks noGrp="1"/>
           </p:cNvSpPr>
@@ -2068,7 +2068,7 @@
       </p:sp>
       <p:sp>
         <p:nvSpPr>
-          <p:cNvPr id="9" name="Zástupný symbol čísla snímky 8"/>
+          <p:cNvPr id="9" name="Tijdelijke aanduiding voor dianummer 8"/>
           <p:cNvSpPr>
             <a:spLocks noGrp="1"/>
           </p:cNvSpPr>
@@ -2104,7 +2104,7 @@
 
 <file path=ppt/slideLayouts/slideLayout6.xml><?xml version="1.0" encoding="utf-8"?>
 <p:sldLayout xmlns:a="http://schemas.openxmlformats.org/drawingml/2006/main" xmlns:r="http://schemas.openxmlformats.org/officeDocument/2006/relationships" xmlns:p="http://schemas.openxmlformats.org/presentationml/2006/main" type="titleOnly" preserve="1">
-  <p:cSld name="Len nadpis">
+  <p:cSld name="Alleen titel">
     <p:spTree>
       <p:nvGrpSpPr>
         <p:cNvPr id="1" name=""/>
@@ -2121,7 +2121,7 @@
       </p:grpSpPr>
       <p:sp>
         <p:nvSpPr>
-          <p:cNvPr id="2" name="Nadpis 1"/>
+          <p:cNvPr id="2" name="Titel 1"/>
           <p:cNvSpPr>
             <a:spLocks noGrp="1"/>
           </p:cNvSpPr>
@@ -2136,14 +2136,14 @@
           <a:p>
             <a:r>
               <a:rPr lang="nl-NL"/>
-              <a:t>Upravte štýly predlohy textu</a:t>
-            </a:r>
-          </a:p>
-        </p:txBody>
-      </p:sp>
-      <p:sp>
-        <p:nvSpPr>
-          <p:cNvPr id="3" name="Zástupný symbol dátumu 2"/>
+              <a:t>Klik om de stijl te bewerken</a:t>
+            </a:r>
+          </a:p>
+        </p:txBody>
+      </p:sp>
+      <p:sp>
+        <p:nvSpPr>
+          <p:cNvPr id="3" name="Tijdelijke aanduiding voor datum 2"/>
           <p:cNvSpPr>
             <a:spLocks noGrp="1"/>
           </p:cNvSpPr>
@@ -2166,7 +2166,7 @@
       </p:sp>
       <p:sp>
         <p:nvSpPr>
-          <p:cNvPr id="4" name="Zástupný symbol päty 3"/>
+          <p:cNvPr id="4" name="Tijdelijke aanduiding voor voettekst 3"/>
           <p:cNvSpPr>
             <a:spLocks noGrp="1"/>
           </p:cNvSpPr>
@@ -2185,7 +2185,7 @@
       </p:sp>
       <p:sp>
         <p:nvSpPr>
-          <p:cNvPr id="5" name="Zástupný symbol čísla snímky 4"/>
+          <p:cNvPr id="5" name="Tijdelijke aanduiding voor dianummer 4"/>
           <p:cNvSpPr>
             <a:spLocks noGrp="1"/>
           </p:cNvSpPr>
@@ -2221,7 +2221,7 @@
 
 <file path=ppt/slideLayouts/slideLayout7.xml><?xml version="1.0" encoding="utf-8"?>
 <p:sldLayout xmlns:a="http://schemas.openxmlformats.org/drawingml/2006/main" xmlns:r="http://schemas.openxmlformats.org/officeDocument/2006/relationships" xmlns:p="http://schemas.openxmlformats.org/presentationml/2006/main" type="blank" preserve="1">
-  <p:cSld name="Prázdna">
+  <p:cSld name="Leeg">
     <p:spTree>
       <p:nvGrpSpPr>
         <p:cNvPr id="1" name=""/>
@@ -2238,7 +2238,7 @@
       </p:grpSpPr>
       <p:sp>
         <p:nvSpPr>
-          <p:cNvPr id="2" name="Zástupný symbol dátumu 1"/>
+          <p:cNvPr id="2" name="Tijdelijke aanduiding voor datum 1"/>
           <p:cNvSpPr>
             <a:spLocks noGrp="1"/>
           </p:cNvSpPr>
@@ -2261,7 +2261,7 @@
       </p:sp>
       <p:sp>
         <p:nvSpPr>
-          <p:cNvPr id="3" name="Zástupný symbol päty 2"/>
+          <p:cNvPr id="3" name="Tijdelijke aanduiding voor voettekst 2"/>
           <p:cNvSpPr>
             <a:spLocks noGrp="1"/>
           </p:cNvSpPr>
@@ -2280,7 +2280,7 @@
       </p:sp>
       <p:sp>
         <p:nvSpPr>
-          <p:cNvPr id="4" name="Zástupný symbol čísla snímky 3"/>
+          <p:cNvPr id="4" name="Tijdelijke aanduiding voor dianummer 3"/>
           <p:cNvSpPr>
             <a:spLocks noGrp="1"/>
           </p:cNvSpPr>
@@ -2316,7 +2316,7 @@
 
 <file path=ppt/slideLayouts/slideLayout8.xml><?xml version="1.0" encoding="utf-8"?>
 <p:sldLayout xmlns:a="http://schemas.openxmlformats.org/drawingml/2006/main" xmlns:r="http://schemas.openxmlformats.org/officeDocument/2006/relationships" xmlns:p="http://schemas.openxmlformats.org/presentationml/2006/main" type="objTx" preserve="1">
-  <p:cSld name="Obsah s popisom">
+  <p:cSld name="Inhoud met bijschrift">
     <p:spTree>
       <p:nvGrpSpPr>
         <p:cNvPr id="1" name=""/>
@@ -2333,7 +2333,7 @@
       </p:grpSpPr>
       <p:sp>
         <p:nvSpPr>
-          <p:cNvPr id="2" name="Nadpis 1"/>
+          <p:cNvPr id="2" name="Titel 1"/>
           <p:cNvSpPr>
             <a:spLocks noGrp="1"/>
           </p:cNvSpPr>
@@ -2357,14 +2357,14 @@
           <a:p>
             <a:r>
               <a:rPr lang="nl-NL"/>
-              <a:t>Upravte štýly predlohy textu</a:t>
-            </a:r>
-          </a:p>
-        </p:txBody>
-      </p:sp>
-      <p:sp>
-        <p:nvSpPr>
-          <p:cNvPr id="3" name="Zástupný symbol obsahu 2"/>
+              <a:t>Klik om de stijl te bewerken</a:t>
+            </a:r>
+          </a:p>
+        </p:txBody>
+      </p:sp>
+      <p:sp>
+        <p:nvSpPr>
+          <p:cNvPr id="3" name="Tijdelijke aanduiding voor inhoud 2"/>
           <p:cNvSpPr>
             <a:spLocks noGrp="1"/>
           </p:cNvSpPr>
@@ -2413,42 +2413,42 @@
             <a:pPr lvl="0"/>
             <a:r>
               <a:rPr lang="nl-NL"/>
-              <a:t>Upravte štýl predlohy textu.</a:t>
+              <a:t>Klik om de modelstijlen te bewerken</a:t>
             </a:r>
           </a:p>
           <a:p>
             <a:pPr lvl="1"/>
             <a:r>
               <a:rPr lang="nl-NL"/>
-              <a:t>Druhá úroveň</a:t>
+              <a:t>Tweede niveau</a:t>
             </a:r>
           </a:p>
           <a:p>
             <a:pPr lvl="2"/>
             <a:r>
               <a:rPr lang="nl-NL"/>
-              <a:t>Tretia úroveň</a:t>
+              <a:t>Derde niveau</a:t>
             </a:r>
           </a:p>
           <a:p>
             <a:pPr lvl="3"/>
             <a:r>
               <a:rPr lang="nl-NL"/>
-              <a:t>Štvrtá úroveň</a:t>
+              <a:t>Vierde niveau</a:t>
             </a:r>
           </a:p>
           <a:p>
             <a:pPr lvl="4"/>
             <a:r>
               <a:rPr lang="nl-NL"/>
-              <a:t>Piata úroveň</a:t>
-            </a:r>
-          </a:p>
-        </p:txBody>
-      </p:sp>
-      <p:sp>
-        <p:nvSpPr>
-          <p:cNvPr id="4" name="Zástupný symbol textu 3"/>
+              <a:t>Vijfde niveau</a:t>
+            </a:r>
+          </a:p>
+        </p:txBody>
+      </p:sp>
+      <p:sp>
+        <p:nvSpPr>
+          <p:cNvPr id="4" name="Tijdelijke aanduiding voor tekst 3"/>
           <p:cNvSpPr>
             <a:spLocks noGrp="1"/>
           </p:cNvSpPr>
@@ -2506,14 +2506,14 @@
             <a:pPr lvl="0"/>
             <a:r>
               <a:rPr lang="nl-NL"/>
-              <a:t>Upravte štýl predlohy textu.</a:t>
-            </a:r>
-          </a:p>
-        </p:txBody>
-      </p:sp>
-      <p:sp>
-        <p:nvSpPr>
-          <p:cNvPr id="5" name="Zástupný symbol dátumu 4"/>
+              <a:t>Klik om de modelstijlen te bewerken</a:t>
+            </a:r>
+          </a:p>
+        </p:txBody>
+      </p:sp>
+      <p:sp>
+        <p:nvSpPr>
+          <p:cNvPr id="5" name="Tijdelijke aanduiding voor datum 4"/>
           <p:cNvSpPr>
             <a:spLocks noGrp="1"/>
           </p:cNvSpPr>
@@ -2536,7 +2536,7 @@
       </p:sp>
       <p:sp>
         <p:nvSpPr>
-          <p:cNvPr id="6" name="Zástupný symbol päty 5"/>
+          <p:cNvPr id="6" name="Tijdelijke aanduiding voor voettekst 5"/>
           <p:cNvSpPr>
             <a:spLocks noGrp="1"/>
           </p:cNvSpPr>
@@ -2555,7 +2555,7 @@
       </p:sp>
       <p:sp>
         <p:nvSpPr>
-          <p:cNvPr id="7" name="Zástupný symbol čísla snímky 6"/>
+          <p:cNvPr id="7" name="Tijdelijke aanduiding voor dianummer 6"/>
           <p:cNvSpPr>
             <a:spLocks noGrp="1"/>
           </p:cNvSpPr>
@@ -2591,7 +2591,7 @@
 
 <file path=ppt/slideLayouts/slideLayout9.xml><?xml version="1.0" encoding="utf-8"?>
 <p:sldLayout xmlns:a="http://schemas.openxmlformats.org/drawingml/2006/main" xmlns:r="http://schemas.openxmlformats.org/officeDocument/2006/relationships" xmlns:p="http://schemas.openxmlformats.org/presentationml/2006/main" type="picTx" preserve="1">
-  <p:cSld name="Obrázok s popisom">
+  <p:cSld name="Afbeelding met bijschrift">
     <p:spTree>
       <p:nvGrpSpPr>
         <p:cNvPr id="1" name=""/>
@@ -2608,7 +2608,7 @@
       </p:grpSpPr>
       <p:sp>
         <p:nvSpPr>
-          <p:cNvPr id="2" name="Nadpis 1"/>
+          <p:cNvPr id="2" name="Titel 1"/>
           <p:cNvSpPr>
             <a:spLocks noGrp="1"/>
           </p:cNvSpPr>
@@ -2632,14 +2632,14 @@
           <a:p>
             <a:r>
               <a:rPr lang="nl-NL"/>
-              <a:t>Upravte štýly predlohy textu</a:t>
-            </a:r>
-          </a:p>
-        </p:txBody>
-      </p:sp>
-      <p:sp>
-        <p:nvSpPr>
-          <p:cNvPr id="3" name="Zástupný symbol obrázka 2"/>
+              <a:t>Klik om de stijl te bewerken</a:t>
+            </a:r>
+          </a:p>
+        </p:txBody>
+      </p:sp>
+      <p:sp>
+        <p:nvSpPr>
+          <p:cNvPr id="3" name="Tijdelijke aanduiding voor afbeelding 2"/>
           <p:cNvSpPr>
             <a:spLocks noGrp="1"/>
           </p:cNvSpPr>
@@ -2700,7 +2700,7 @@
       </p:sp>
       <p:sp>
         <p:nvSpPr>
-          <p:cNvPr id="4" name="Zástupný symbol textu 3"/>
+          <p:cNvPr id="4" name="Tijdelijke aanduiding voor tekst 3"/>
           <p:cNvSpPr>
             <a:spLocks noGrp="1"/>
           </p:cNvSpPr>
@@ -2758,14 +2758,14 @@
             <a:pPr lvl="0"/>
             <a:r>
               <a:rPr lang="nl-NL"/>
-              <a:t>Upravte štýl predlohy textu.</a:t>
-            </a:r>
-          </a:p>
-        </p:txBody>
-      </p:sp>
-      <p:sp>
-        <p:nvSpPr>
-          <p:cNvPr id="5" name="Zástupný symbol dátumu 4"/>
+              <a:t>Klik om de modelstijlen te bewerken</a:t>
+            </a:r>
+          </a:p>
+        </p:txBody>
+      </p:sp>
+      <p:sp>
+        <p:nvSpPr>
+          <p:cNvPr id="5" name="Tijdelijke aanduiding voor datum 4"/>
           <p:cNvSpPr>
             <a:spLocks noGrp="1"/>
           </p:cNvSpPr>
@@ -2788,7 +2788,7 @@
       </p:sp>
       <p:sp>
         <p:nvSpPr>
-          <p:cNvPr id="6" name="Zástupný symbol päty 5"/>
+          <p:cNvPr id="6" name="Tijdelijke aanduiding voor voettekst 5"/>
           <p:cNvSpPr>
             <a:spLocks noGrp="1"/>
           </p:cNvSpPr>
@@ -2807,7 +2807,7 @@
       </p:sp>
       <p:sp>
         <p:nvSpPr>
-          <p:cNvPr id="7" name="Zástupný symbol čísla snímky 6"/>
+          <p:cNvPr id="7" name="Tijdelijke aanduiding voor dianummer 6"/>
           <p:cNvSpPr>
             <a:spLocks noGrp="1"/>
           </p:cNvSpPr>
@@ -2865,7 +2865,7 @@
       </p:grpSpPr>
       <p:sp>
         <p:nvSpPr>
-          <p:cNvPr id="2" name="Zástupný symbol nadpisu 1"/>
+          <p:cNvPr id="2" name="Tijdelijke aanduiding voor titel 1"/>
           <p:cNvSpPr>
             <a:spLocks noGrp="1"/>
           </p:cNvSpPr>
@@ -2897,7 +2897,7 @@
       </p:sp>
       <p:sp>
         <p:nvSpPr>
-          <p:cNvPr id="3" name="Zástupný symbol textu 2"/>
+          <p:cNvPr id="3" name="Tijdelijke aanduiding voor tekst 2"/>
           <p:cNvSpPr>
             <a:spLocks noGrp="1"/>
           </p:cNvSpPr>
@@ -2923,42 +2923,42 @@
             <a:pPr lvl="0"/>
             <a:r>
               <a:rPr lang="nl-NL"/>
-              <a:t>Upravte štýl predlohy textu.</a:t>
+              <a:t>Klik om de modelstijlen te bewerken</a:t>
             </a:r>
           </a:p>
           <a:p>
             <a:pPr lvl="1"/>
             <a:r>
               <a:rPr lang="nl-NL"/>
-              <a:t>Druhá úroveň</a:t>
+              <a:t>Tweede niveau</a:t>
             </a:r>
           </a:p>
           <a:p>
             <a:pPr lvl="2"/>
             <a:r>
               <a:rPr lang="nl-NL"/>
-              <a:t>Tretia úroveň</a:t>
+              <a:t>Derde niveau</a:t>
             </a:r>
           </a:p>
           <a:p>
             <a:pPr lvl="3"/>
             <a:r>
               <a:rPr lang="nl-NL"/>
-              <a:t>Štvrtá úroveň</a:t>
+              <a:t>Vierde niveau</a:t>
             </a:r>
           </a:p>
           <a:p>
             <a:pPr lvl="4"/>
             <a:r>
               <a:rPr lang="nl-NL"/>
-              <a:t>Piata úroveň</a:t>
-            </a:r>
-          </a:p>
-        </p:txBody>
-      </p:sp>
-      <p:sp>
-        <p:nvSpPr>
-          <p:cNvPr id="4" name="Zástupný symbol dátumu 3"/>
+              <a:t>Vijfde niveau</a:t>
+            </a:r>
+          </a:p>
+        </p:txBody>
+      </p:sp>
+      <p:sp>
+        <p:nvSpPr>
+          <p:cNvPr id="4" name="Tijdelijke aanduiding voor datum 3"/>
           <p:cNvSpPr>
             <a:spLocks noGrp="1"/>
           </p:cNvSpPr>
@@ -2999,7 +2999,7 @@
       </p:sp>
       <p:sp>
         <p:nvSpPr>
-          <p:cNvPr id="5" name="Zástupný symbol päty 4"/>
+          <p:cNvPr id="5" name="Tijdelijke aanduiding voor voettekst 4"/>
           <p:cNvSpPr>
             <a:spLocks noGrp="1"/>
           </p:cNvSpPr>
@@ -3036,7 +3036,7 @@
       </p:sp>
       <p:sp>
         <p:nvSpPr>
-          <p:cNvPr id="6" name="Zástupný symbol čísla snímky 5"/>
+          <p:cNvPr id="6" name="Tijdelijke aanduiding voor dianummer 5"/>
           <p:cNvSpPr>
             <a:spLocks noGrp="1"/>
           </p:cNvSpPr>
@@ -3398,7 +3398,7 @@
       </p:grpSpPr>
       <p:sp>
         <p:nvSpPr>
-          <p:cNvPr id="2" name="Title 1"/>
+          <p:cNvPr id="2" name="Titel 1"/>
           <p:cNvSpPr>
             <a:spLocks noGrp="1"/>
           </p:cNvSpPr>
@@ -3417,7 +3417,7 @@
       </p:sp>
       <p:sp>
         <p:nvSpPr>
-          <p:cNvPr id="3" name="Subtitle 2"/>
+          <p:cNvPr id="3" name="Ondertitel 2"/>
           <p:cNvSpPr>
             <a:spLocks noGrp="1"/>
           </p:cNvSpPr>

--- a/new/nl-NL/new.pptx
+++ b/new/nl-NL/new.pptx
@@ -2890,7 +2890,7 @@
           <a:p>
             <a:r>
               <a:rPr lang="nl-NL"/>
-              <a:t>Upravte štýly predlohy textu</a:t>
+              <a:t>Klik om de stijl te bewerken</a:t>
             </a:r>
           </a:p>
         </p:txBody>
